--- a/doc/mecab.pptx
+++ b/doc/mecab.pptx
@@ -173,10 +173,9 @@
           </a:lstStyle>
           <a:p>
             <a:r>
-              <a:rPr kumimoji="1" lang="ja-JP" altLang="en-US" smtClean="0"/>
+              <a:rPr kumimoji="1" lang="ja-JP" altLang="en-US"/>
               <a:t>マスター タイトルの書式設定</a:t>
             </a:r>
-            <a:endParaRPr kumimoji="1" lang="ja-JP" altLang="en-US"/>
           </a:p>
         </p:txBody>
       </p:sp>
@@ -238,10 +237,9 @@
           </a:lstStyle>
           <a:p>
             <a:r>
-              <a:rPr kumimoji="1" lang="ja-JP" altLang="en-US" smtClean="0"/>
+              <a:rPr kumimoji="1" lang="ja-JP" altLang="en-US"/>
               <a:t>マスター サブタイトルの書式設定</a:t>
             </a:r>
-            <a:endParaRPr kumimoji="1" lang="ja-JP" altLang="en-US"/>
           </a:p>
         </p:txBody>
       </p:sp>
@@ -262,7 +260,7 @@
           <a:p>
             <a:fld id="{2C5526FF-BF3D-EE43-BDDC-9A52BF65E849}" type="datetimeFigureOut">
               <a:rPr kumimoji="1" lang="ja-JP" altLang="en-US" smtClean="0"/>
-              <a:t>2018/5/16</a:t>
+              <a:t>2018/5/17</a:t>
             </a:fld>
             <a:endParaRPr kumimoji="1" lang="ja-JP" altLang="en-US"/>
           </a:p>
@@ -356,10 +354,9 @@
           <a:lstStyle/>
           <a:p>
             <a:r>
-              <a:rPr kumimoji="1" lang="ja-JP" altLang="en-US" smtClean="0"/>
+              <a:rPr kumimoji="1" lang="ja-JP" altLang="en-US"/>
               <a:t>マスター タイトルの書式設定</a:t>
             </a:r>
-            <a:endParaRPr kumimoji="1" lang="ja-JP" altLang="en-US"/>
           </a:p>
         </p:txBody>
       </p:sp>
@@ -380,70 +377,69 @@
           <a:p>
             <a:pPr lvl="0"/>
             <a:r>
-              <a:rPr kumimoji="1" lang="ja-JP" altLang="en-US" smtClean="0"/>
+              <a:rPr kumimoji="1" lang="ja-JP" altLang="en-US"/>
               <a:t>マスター テキストの書式設定</a:t>
             </a:r>
           </a:p>
           <a:p>
             <a:pPr lvl="1"/>
             <a:r>
-              <a:rPr kumimoji="1" lang="ja-JP" altLang="en-US" smtClean="0"/>
+              <a:rPr kumimoji="1" lang="ja-JP" altLang="en-US"/>
               <a:t>第 </a:t>
             </a:r>
             <a:r>
-              <a:rPr kumimoji="1" lang="en-US" altLang="ja-JP" smtClean="0"/>
+              <a:rPr kumimoji="1" lang="en-US" altLang="ja-JP"/>
               <a:t>2 </a:t>
             </a:r>
             <a:r>
-              <a:rPr kumimoji="1" lang="ja-JP" altLang="en-US" smtClean="0"/>
+              <a:rPr kumimoji="1" lang="ja-JP" altLang="en-US"/>
               <a:t>レベル</a:t>
             </a:r>
           </a:p>
           <a:p>
             <a:pPr lvl="2"/>
             <a:r>
-              <a:rPr kumimoji="1" lang="ja-JP" altLang="en-US" smtClean="0"/>
+              <a:rPr kumimoji="1" lang="ja-JP" altLang="en-US"/>
               <a:t>第 </a:t>
             </a:r>
             <a:r>
-              <a:rPr kumimoji="1" lang="en-US" altLang="ja-JP" smtClean="0"/>
+              <a:rPr kumimoji="1" lang="en-US" altLang="ja-JP"/>
               <a:t>3 </a:t>
             </a:r>
             <a:r>
-              <a:rPr kumimoji="1" lang="ja-JP" altLang="en-US" smtClean="0"/>
+              <a:rPr kumimoji="1" lang="ja-JP" altLang="en-US"/>
               <a:t>レベル</a:t>
             </a:r>
           </a:p>
           <a:p>
             <a:pPr lvl="3"/>
             <a:r>
-              <a:rPr kumimoji="1" lang="ja-JP" altLang="en-US" smtClean="0"/>
+              <a:rPr kumimoji="1" lang="ja-JP" altLang="en-US"/>
               <a:t>第 </a:t>
             </a:r>
             <a:r>
-              <a:rPr kumimoji="1" lang="en-US" altLang="ja-JP" smtClean="0"/>
+              <a:rPr kumimoji="1" lang="en-US" altLang="ja-JP"/>
               <a:t>4 </a:t>
             </a:r>
             <a:r>
-              <a:rPr kumimoji="1" lang="ja-JP" altLang="en-US" smtClean="0"/>
+              <a:rPr kumimoji="1" lang="ja-JP" altLang="en-US"/>
               <a:t>レベル</a:t>
             </a:r>
           </a:p>
           <a:p>
             <a:pPr lvl="4"/>
             <a:r>
-              <a:rPr kumimoji="1" lang="ja-JP" altLang="en-US" smtClean="0"/>
+              <a:rPr kumimoji="1" lang="ja-JP" altLang="en-US"/>
               <a:t>第 </a:t>
             </a:r>
             <a:r>
-              <a:rPr kumimoji="1" lang="en-US" altLang="ja-JP" smtClean="0"/>
+              <a:rPr kumimoji="1" lang="en-US" altLang="ja-JP"/>
               <a:t>5 </a:t>
             </a:r>
             <a:r>
-              <a:rPr kumimoji="1" lang="ja-JP" altLang="en-US" smtClean="0"/>
+              <a:rPr kumimoji="1" lang="ja-JP" altLang="en-US"/>
               <a:t>レベル</a:t>
             </a:r>
-            <a:endParaRPr kumimoji="1" lang="ja-JP" altLang="en-US"/>
           </a:p>
         </p:txBody>
       </p:sp>
@@ -464,7 +460,7 @@
           <a:p>
             <a:fld id="{2C5526FF-BF3D-EE43-BDDC-9A52BF65E849}" type="datetimeFigureOut">
               <a:rPr kumimoji="1" lang="ja-JP" altLang="en-US" smtClean="0"/>
-              <a:t>2018/5/16</a:t>
+              <a:t>2018/5/17</a:t>
             </a:fld>
             <a:endParaRPr kumimoji="1" lang="ja-JP" altLang="en-US"/>
           </a:p>
@@ -563,10 +559,9 @@
           <a:lstStyle/>
           <a:p>
             <a:r>
-              <a:rPr kumimoji="1" lang="ja-JP" altLang="en-US" smtClean="0"/>
+              <a:rPr kumimoji="1" lang="ja-JP" altLang="en-US"/>
               <a:t>マスター タイトルの書式設定</a:t>
             </a:r>
-            <a:endParaRPr kumimoji="1" lang="ja-JP" altLang="en-US"/>
           </a:p>
         </p:txBody>
       </p:sp>
@@ -592,70 +587,69 @@
           <a:p>
             <a:pPr lvl="0"/>
             <a:r>
-              <a:rPr kumimoji="1" lang="ja-JP" altLang="en-US" smtClean="0"/>
+              <a:rPr kumimoji="1" lang="ja-JP" altLang="en-US"/>
               <a:t>マスター テキストの書式設定</a:t>
             </a:r>
           </a:p>
           <a:p>
             <a:pPr lvl="1"/>
             <a:r>
-              <a:rPr kumimoji="1" lang="ja-JP" altLang="en-US" smtClean="0"/>
+              <a:rPr kumimoji="1" lang="ja-JP" altLang="en-US"/>
               <a:t>第 </a:t>
             </a:r>
             <a:r>
-              <a:rPr kumimoji="1" lang="en-US" altLang="ja-JP" smtClean="0"/>
+              <a:rPr kumimoji="1" lang="en-US" altLang="ja-JP"/>
               <a:t>2 </a:t>
             </a:r>
             <a:r>
-              <a:rPr kumimoji="1" lang="ja-JP" altLang="en-US" smtClean="0"/>
+              <a:rPr kumimoji="1" lang="ja-JP" altLang="en-US"/>
               <a:t>レベル</a:t>
             </a:r>
           </a:p>
           <a:p>
             <a:pPr lvl="2"/>
             <a:r>
-              <a:rPr kumimoji="1" lang="ja-JP" altLang="en-US" smtClean="0"/>
+              <a:rPr kumimoji="1" lang="ja-JP" altLang="en-US"/>
               <a:t>第 </a:t>
             </a:r>
             <a:r>
-              <a:rPr kumimoji="1" lang="en-US" altLang="ja-JP" smtClean="0"/>
+              <a:rPr kumimoji="1" lang="en-US" altLang="ja-JP"/>
               <a:t>3 </a:t>
             </a:r>
             <a:r>
-              <a:rPr kumimoji="1" lang="ja-JP" altLang="en-US" smtClean="0"/>
+              <a:rPr kumimoji="1" lang="ja-JP" altLang="en-US"/>
               <a:t>レベル</a:t>
             </a:r>
           </a:p>
           <a:p>
             <a:pPr lvl="3"/>
             <a:r>
-              <a:rPr kumimoji="1" lang="ja-JP" altLang="en-US" smtClean="0"/>
+              <a:rPr kumimoji="1" lang="ja-JP" altLang="en-US"/>
               <a:t>第 </a:t>
             </a:r>
             <a:r>
-              <a:rPr kumimoji="1" lang="en-US" altLang="ja-JP" smtClean="0"/>
+              <a:rPr kumimoji="1" lang="en-US" altLang="ja-JP"/>
               <a:t>4 </a:t>
             </a:r>
             <a:r>
-              <a:rPr kumimoji="1" lang="ja-JP" altLang="en-US" smtClean="0"/>
+              <a:rPr kumimoji="1" lang="ja-JP" altLang="en-US"/>
               <a:t>レベル</a:t>
             </a:r>
           </a:p>
           <a:p>
             <a:pPr lvl="4"/>
             <a:r>
-              <a:rPr kumimoji="1" lang="ja-JP" altLang="en-US" smtClean="0"/>
+              <a:rPr kumimoji="1" lang="ja-JP" altLang="en-US"/>
               <a:t>第 </a:t>
             </a:r>
             <a:r>
-              <a:rPr kumimoji="1" lang="en-US" altLang="ja-JP" smtClean="0"/>
+              <a:rPr kumimoji="1" lang="en-US" altLang="ja-JP"/>
               <a:t>5 </a:t>
             </a:r>
             <a:r>
-              <a:rPr kumimoji="1" lang="ja-JP" altLang="en-US" smtClean="0"/>
+              <a:rPr kumimoji="1" lang="ja-JP" altLang="en-US"/>
               <a:t>レベル</a:t>
             </a:r>
-            <a:endParaRPr kumimoji="1" lang="ja-JP" altLang="en-US"/>
           </a:p>
         </p:txBody>
       </p:sp>
@@ -676,7 +670,7 @@
           <a:p>
             <a:fld id="{2C5526FF-BF3D-EE43-BDDC-9A52BF65E849}" type="datetimeFigureOut">
               <a:rPr kumimoji="1" lang="ja-JP" altLang="en-US" smtClean="0"/>
-              <a:t>2018/5/16</a:t>
+              <a:t>2018/5/17</a:t>
             </a:fld>
             <a:endParaRPr kumimoji="1" lang="ja-JP" altLang="en-US"/>
           </a:p>
@@ -770,10 +764,9 @@
           <a:lstStyle/>
           <a:p>
             <a:r>
-              <a:rPr kumimoji="1" lang="ja-JP" altLang="en-US" smtClean="0"/>
+              <a:rPr kumimoji="1" lang="ja-JP" altLang="en-US"/>
               <a:t>マスター タイトルの書式設定</a:t>
             </a:r>
-            <a:endParaRPr kumimoji="1" lang="ja-JP" altLang="en-US"/>
           </a:p>
         </p:txBody>
       </p:sp>
@@ -794,70 +787,69 @@
           <a:p>
             <a:pPr lvl="0"/>
             <a:r>
-              <a:rPr kumimoji="1" lang="ja-JP" altLang="en-US" smtClean="0"/>
+              <a:rPr kumimoji="1" lang="ja-JP" altLang="en-US"/>
               <a:t>マスター テキストの書式設定</a:t>
             </a:r>
           </a:p>
           <a:p>
             <a:pPr lvl="1"/>
             <a:r>
-              <a:rPr kumimoji="1" lang="ja-JP" altLang="en-US" smtClean="0"/>
+              <a:rPr kumimoji="1" lang="ja-JP" altLang="en-US"/>
               <a:t>第 </a:t>
             </a:r>
             <a:r>
-              <a:rPr kumimoji="1" lang="en-US" altLang="ja-JP" smtClean="0"/>
+              <a:rPr kumimoji="1" lang="en-US" altLang="ja-JP"/>
               <a:t>2 </a:t>
             </a:r>
             <a:r>
-              <a:rPr kumimoji="1" lang="ja-JP" altLang="en-US" smtClean="0"/>
+              <a:rPr kumimoji="1" lang="ja-JP" altLang="en-US"/>
               <a:t>レベル</a:t>
             </a:r>
           </a:p>
           <a:p>
             <a:pPr lvl="2"/>
             <a:r>
-              <a:rPr kumimoji="1" lang="ja-JP" altLang="en-US" smtClean="0"/>
+              <a:rPr kumimoji="1" lang="ja-JP" altLang="en-US"/>
               <a:t>第 </a:t>
             </a:r>
             <a:r>
-              <a:rPr kumimoji="1" lang="en-US" altLang="ja-JP" smtClean="0"/>
+              <a:rPr kumimoji="1" lang="en-US" altLang="ja-JP"/>
               <a:t>3 </a:t>
             </a:r>
             <a:r>
-              <a:rPr kumimoji="1" lang="ja-JP" altLang="en-US" smtClean="0"/>
+              <a:rPr kumimoji="1" lang="ja-JP" altLang="en-US"/>
               <a:t>レベル</a:t>
             </a:r>
           </a:p>
           <a:p>
             <a:pPr lvl="3"/>
             <a:r>
-              <a:rPr kumimoji="1" lang="ja-JP" altLang="en-US" smtClean="0"/>
+              <a:rPr kumimoji="1" lang="ja-JP" altLang="en-US"/>
               <a:t>第 </a:t>
             </a:r>
             <a:r>
-              <a:rPr kumimoji="1" lang="en-US" altLang="ja-JP" smtClean="0"/>
+              <a:rPr kumimoji="1" lang="en-US" altLang="ja-JP"/>
               <a:t>4 </a:t>
             </a:r>
             <a:r>
-              <a:rPr kumimoji="1" lang="ja-JP" altLang="en-US" smtClean="0"/>
+              <a:rPr kumimoji="1" lang="ja-JP" altLang="en-US"/>
               <a:t>レベル</a:t>
             </a:r>
           </a:p>
           <a:p>
             <a:pPr lvl="4"/>
             <a:r>
-              <a:rPr kumimoji="1" lang="ja-JP" altLang="en-US" smtClean="0"/>
+              <a:rPr kumimoji="1" lang="ja-JP" altLang="en-US"/>
               <a:t>第 </a:t>
             </a:r>
             <a:r>
-              <a:rPr kumimoji="1" lang="en-US" altLang="ja-JP" smtClean="0"/>
+              <a:rPr kumimoji="1" lang="en-US" altLang="ja-JP"/>
               <a:t>5 </a:t>
             </a:r>
             <a:r>
-              <a:rPr kumimoji="1" lang="ja-JP" altLang="en-US" smtClean="0"/>
+              <a:rPr kumimoji="1" lang="ja-JP" altLang="en-US"/>
               <a:t>レベル</a:t>
             </a:r>
-            <a:endParaRPr kumimoji="1" lang="ja-JP" altLang="en-US"/>
           </a:p>
         </p:txBody>
       </p:sp>
@@ -878,7 +870,7 @@
           <a:p>
             <a:fld id="{2C5526FF-BF3D-EE43-BDDC-9A52BF65E849}" type="datetimeFigureOut">
               <a:rPr kumimoji="1" lang="ja-JP" altLang="en-US" smtClean="0"/>
-              <a:t>2018/5/16</a:t>
+              <a:t>2018/5/17</a:t>
             </a:fld>
             <a:endParaRPr kumimoji="1" lang="ja-JP" altLang="en-US"/>
           </a:p>
@@ -981,10 +973,9 @@
           </a:lstStyle>
           <a:p>
             <a:r>
-              <a:rPr kumimoji="1" lang="ja-JP" altLang="en-US" smtClean="0"/>
+              <a:rPr kumimoji="1" lang="ja-JP" altLang="en-US"/>
               <a:t>マスター タイトルの書式設定</a:t>
             </a:r>
-            <a:endParaRPr kumimoji="1" lang="ja-JP" altLang="en-US"/>
           </a:p>
         </p:txBody>
       </p:sp>
@@ -1101,7 +1092,7 @@
           <a:p>
             <a:pPr lvl="0"/>
             <a:r>
-              <a:rPr kumimoji="1" lang="ja-JP" altLang="en-US" smtClean="0"/>
+              <a:rPr kumimoji="1" lang="ja-JP" altLang="en-US"/>
               <a:t>マスター テキストの書式設定</a:t>
             </a:r>
           </a:p>
@@ -1124,7 +1115,7 @@
           <a:p>
             <a:fld id="{2C5526FF-BF3D-EE43-BDDC-9A52BF65E849}" type="datetimeFigureOut">
               <a:rPr kumimoji="1" lang="ja-JP" altLang="en-US" smtClean="0"/>
-              <a:t>2018/5/16</a:t>
+              <a:t>2018/5/17</a:t>
             </a:fld>
             <a:endParaRPr kumimoji="1" lang="ja-JP" altLang="en-US"/>
           </a:p>
@@ -1218,10 +1209,9 @@
           <a:lstStyle/>
           <a:p>
             <a:r>
-              <a:rPr kumimoji="1" lang="ja-JP" altLang="en-US" smtClean="0"/>
+              <a:rPr kumimoji="1" lang="ja-JP" altLang="en-US"/>
               <a:t>マスター タイトルの書式設定</a:t>
             </a:r>
-            <a:endParaRPr kumimoji="1" lang="ja-JP" altLang="en-US"/>
           </a:p>
         </p:txBody>
       </p:sp>
@@ -1247,70 +1237,69 @@
           <a:p>
             <a:pPr lvl="0"/>
             <a:r>
-              <a:rPr kumimoji="1" lang="ja-JP" altLang="en-US" smtClean="0"/>
+              <a:rPr kumimoji="1" lang="ja-JP" altLang="en-US"/>
               <a:t>マスター テキストの書式設定</a:t>
             </a:r>
           </a:p>
           <a:p>
             <a:pPr lvl="1"/>
             <a:r>
-              <a:rPr kumimoji="1" lang="ja-JP" altLang="en-US" smtClean="0"/>
+              <a:rPr kumimoji="1" lang="ja-JP" altLang="en-US"/>
               <a:t>第 </a:t>
             </a:r>
             <a:r>
-              <a:rPr kumimoji="1" lang="en-US" altLang="ja-JP" smtClean="0"/>
+              <a:rPr kumimoji="1" lang="en-US" altLang="ja-JP"/>
               <a:t>2 </a:t>
             </a:r>
             <a:r>
-              <a:rPr kumimoji="1" lang="ja-JP" altLang="en-US" smtClean="0"/>
+              <a:rPr kumimoji="1" lang="ja-JP" altLang="en-US"/>
               <a:t>レベル</a:t>
             </a:r>
           </a:p>
           <a:p>
             <a:pPr lvl="2"/>
             <a:r>
-              <a:rPr kumimoji="1" lang="ja-JP" altLang="en-US" smtClean="0"/>
+              <a:rPr kumimoji="1" lang="ja-JP" altLang="en-US"/>
               <a:t>第 </a:t>
             </a:r>
             <a:r>
-              <a:rPr kumimoji="1" lang="en-US" altLang="ja-JP" smtClean="0"/>
+              <a:rPr kumimoji="1" lang="en-US" altLang="ja-JP"/>
               <a:t>3 </a:t>
             </a:r>
             <a:r>
-              <a:rPr kumimoji="1" lang="ja-JP" altLang="en-US" smtClean="0"/>
+              <a:rPr kumimoji="1" lang="ja-JP" altLang="en-US"/>
               <a:t>レベル</a:t>
             </a:r>
           </a:p>
           <a:p>
             <a:pPr lvl="3"/>
             <a:r>
-              <a:rPr kumimoji="1" lang="ja-JP" altLang="en-US" smtClean="0"/>
+              <a:rPr kumimoji="1" lang="ja-JP" altLang="en-US"/>
               <a:t>第 </a:t>
             </a:r>
             <a:r>
-              <a:rPr kumimoji="1" lang="en-US" altLang="ja-JP" smtClean="0"/>
+              <a:rPr kumimoji="1" lang="en-US" altLang="ja-JP"/>
               <a:t>4 </a:t>
             </a:r>
             <a:r>
-              <a:rPr kumimoji="1" lang="ja-JP" altLang="en-US" smtClean="0"/>
+              <a:rPr kumimoji="1" lang="ja-JP" altLang="en-US"/>
               <a:t>レベル</a:t>
             </a:r>
           </a:p>
           <a:p>
             <a:pPr lvl="4"/>
             <a:r>
-              <a:rPr kumimoji="1" lang="ja-JP" altLang="en-US" smtClean="0"/>
+              <a:rPr kumimoji="1" lang="ja-JP" altLang="en-US"/>
               <a:t>第 </a:t>
             </a:r>
             <a:r>
-              <a:rPr kumimoji="1" lang="en-US" altLang="ja-JP" smtClean="0"/>
+              <a:rPr kumimoji="1" lang="en-US" altLang="ja-JP"/>
               <a:t>5 </a:t>
             </a:r>
             <a:r>
-              <a:rPr kumimoji="1" lang="ja-JP" altLang="en-US" smtClean="0"/>
+              <a:rPr kumimoji="1" lang="ja-JP" altLang="en-US"/>
               <a:t>レベル</a:t>
             </a:r>
-            <a:endParaRPr kumimoji="1" lang="ja-JP" altLang="en-US"/>
           </a:p>
         </p:txBody>
       </p:sp>
@@ -1336,70 +1325,69 @@
           <a:p>
             <a:pPr lvl="0"/>
             <a:r>
-              <a:rPr kumimoji="1" lang="ja-JP" altLang="en-US" smtClean="0"/>
+              <a:rPr kumimoji="1" lang="ja-JP" altLang="en-US"/>
               <a:t>マスター テキストの書式設定</a:t>
             </a:r>
           </a:p>
           <a:p>
             <a:pPr lvl="1"/>
             <a:r>
-              <a:rPr kumimoji="1" lang="ja-JP" altLang="en-US" smtClean="0"/>
+              <a:rPr kumimoji="1" lang="ja-JP" altLang="en-US"/>
               <a:t>第 </a:t>
             </a:r>
             <a:r>
-              <a:rPr kumimoji="1" lang="en-US" altLang="ja-JP" smtClean="0"/>
+              <a:rPr kumimoji="1" lang="en-US" altLang="ja-JP"/>
               <a:t>2 </a:t>
             </a:r>
             <a:r>
-              <a:rPr kumimoji="1" lang="ja-JP" altLang="en-US" smtClean="0"/>
+              <a:rPr kumimoji="1" lang="ja-JP" altLang="en-US"/>
               <a:t>レベル</a:t>
             </a:r>
           </a:p>
           <a:p>
             <a:pPr lvl="2"/>
             <a:r>
-              <a:rPr kumimoji="1" lang="ja-JP" altLang="en-US" smtClean="0"/>
+              <a:rPr kumimoji="1" lang="ja-JP" altLang="en-US"/>
               <a:t>第 </a:t>
             </a:r>
             <a:r>
-              <a:rPr kumimoji="1" lang="en-US" altLang="ja-JP" smtClean="0"/>
+              <a:rPr kumimoji="1" lang="en-US" altLang="ja-JP"/>
               <a:t>3 </a:t>
             </a:r>
             <a:r>
-              <a:rPr kumimoji="1" lang="ja-JP" altLang="en-US" smtClean="0"/>
+              <a:rPr kumimoji="1" lang="ja-JP" altLang="en-US"/>
               <a:t>レベル</a:t>
             </a:r>
           </a:p>
           <a:p>
             <a:pPr lvl="3"/>
             <a:r>
-              <a:rPr kumimoji="1" lang="ja-JP" altLang="en-US" smtClean="0"/>
+              <a:rPr kumimoji="1" lang="ja-JP" altLang="en-US"/>
               <a:t>第 </a:t>
             </a:r>
             <a:r>
-              <a:rPr kumimoji="1" lang="en-US" altLang="ja-JP" smtClean="0"/>
+              <a:rPr kumimoji="1" lang="en-US" altLang="ja-JP"/>
               <a:t>4 </a:t>
             </a:r>
             <a:r>
-              <a:rPr kumimoji="1" lang="ja-JP" altLang="en-US" smtClean="0"/>
+              <a:rPr kumimoji="1" lang="ja-JP" altLang="en-US"/>
               <a:t>レベル</a:t>
             </a:r>
           </a:p>
           <a:p>
             <a:pPr lvl="4"/>
             <a:r>
-              <a:rPr kumimoji="1" lang="ja-JP" altLang="en-US" smtClean="0"/>
+              <a:rPr kumimoji="1" lang="ja-JP" altLang="en-US"/>
               <a:t>第 </a:t>
             </a:r>
             <a:r>
-              <a:rPr kumimoji="1" lang="en-US" altLang="ja-JP" smtClean="0"/>
+              <a:rPr kumimoji="1" lang="en-US" altLang="ja-JP"/>
               <a:t>5 </a:t>
             </a:r>
             <a:r>
-              <a:rPr kumimoji="1" lang="ja-JP" altLang="en-US" smtClean="0"/>
+              <a:rPr kumimoji="1" lang="ja-JP" altLang="en-US"/>
               <a:t>レベル</a:t>
             </a:r>
-            <a:endParaRPr kumimoji="1" lang="ja-JP" altLang="en-US"/>
           </a:p>
         </p:txBody>
       </p:sp>
@@ -1420,7 +1408,7 @@
           <a:p>
             <a:fld id="{2C5526FF-BF3D-EE43-BDDC-9A52BF65E849}" type="datetimeFigureOut">
               <a:rPr kumimoji="1" lang="ja-JP" altLang="en-US" smtClean="0"/>
-              <a:t>2018/5/16</a:t>
+              <a:t>2018/5/17</a:t>
             </a:fld>
             <a:endParaRPr kumimoji="1" lang="ja-JP" altLang="en-US"/>
           </a:p>
@@ -1519,10 +1507,9 @@
           <a:lstStyle/>
           <a:p>
             <a:r>
-              <a:rPr kumimoji="1" lang="ja-JP" altLang="en-US" smtClean="0"/>
+              <a:rPr kumimoji="1" lang="ja-JP" altLang="en-US"/>
               <a:t>マスター タイトルの書式設定</a:t>
             </a:r>
-            <a:endParaRPr kumimoji="1" lang="ja-JP" altLang="en-US"/>
           </a:p>
         </p:txBody>
       </p:sp>
@@ -1585,7 +1572,7 @@
           <a:p>
             <a:pPr lvl="0"/>
             <a:r>
-              <a:rPr kumimoji="1" lang="ja-JP" altLang="en-US" smtClean="0"/>
+              <a:rPr kumimoji="1" lang="ja-JP" altLang="en-US"/>
               <a:t>マスター テキストの書式設定</a:t>
             </a:r>
           </a:p>
@@ -1613,70 +1600,69 @@
           <a:p>
             <a:pPr lvl="0"/>
             <a:r>
-              <a:rPr kumimoji="1" lang="ja-JP" altLang="en-US" smtClean="0"/>
+              <a:rPr kumimoji="1" lang="ja-JP" altLang="en-US"/>
               <a:t>マスター テキストの書式設定</a:t>
             </a:r>
           </a:p>
           <a:p>
             <a:pPr lvl="1"/>
             <a:r>
-              <a:rPr kumimoji="1" lang="ja-JP" altLang="en-US" smtClean="0"/>
+              <a:rPr kumimoji="1" lang="ja-JP" altLang="en-US"/>
               <a:t>第 </a:t>
             </a:r>
             <a:r>
-              <a:rPr kumimoji="1" lang="en-US" altLang="ja-JP" smtClean="0"/>
+              <a:rPr kumimoji="1" lang="en-US" altLang="ja-JP"/>
               <a:t>2 </a:t>
             </a:r>
             <a:r>
-              <a:rPr kumimoji="1" lang="ja-JP" altLang="en-US" smtClean="0"/>
+              <a:rPr kumimoji="1" lang="ja-JP" altLang="en-US"/>
               <a:t>レベル</a:t>
             </a:r>
           </a:p>
           <a:p>
             <a:pPr lvl="2"/>
             <a:r>
-              <a:rPr kumimoji="1" lang="ja-JP" altLang="en-US" smtClean="0"/>
+              <a:rPr kumimoji="1" lang="ja-JP" altLang="en-US"/>
               <a:t>第 </a:t>
             </a:r>
             <a:r>
-              <a:rPr kumimoji="1" lang="en-US" altLang="ja-JP" smtClean="0"/>
+              <a:rPr kumimoji="1" lang="en-US" altLang="ja-JP"/>
               <a:t>3 </a:t>
             </a:r>
             <a:r>
-              <a:rPr kumimoji="1" lang="ja-JP" altLang="en-US" smtClean="0"/>
+              <a:rPr kumimoji="1" lang="ja-JP" altLang="en-US"/>
               <a:t>レベル</a:t>
             </a:r>
           </a:p>
           <a:p>
             <a:pPr lvl="3"/>
             <a:r>
-              <a:rPr kumimoji="1" lang="ja-JP" altLang="en-US" smtClean="0"/>
+              <a:rPr kumimoji="1" lang="ja-JP" altLang="en-US"/>
               <a:t>第 </a:t>
             </a:r>
             <a:r>
-              <a:rPr kumimoji="1" lang="en-US" altLang="ja-JP" smtClean="0"/>
+              <a:rPr kumimoji="1" lang="en-US" altLang="ja-JP"/>
               <a:t>4 </a:t>
             </a:r>
             <a:r>
-              <a:rPr kumimoji="1" lang="ja-JP" altLang="en-US" smtClean="0"/>
+              <a:rPr kumimoji="1" lang="ja-JP" altLang="en-US"/>
               <a:t>レベル</a:t>
             </a:r>
           </a:p>
           <a:p>
             <a:pPr lvl="4"/>
             <a:r>
-              <a:rPr kumimoji="1" lang="ja-JP" altLang="en-US" smtClean="0"/>
+              <a:rPr kumimoji="1" lang="ja-JP" altLang="en-US"/>
               <a:t>第 </a:t>
             </a:r>
             <a:r>
-              <a:rPr kumimoji="1" lang="en-US" altLang="ja-JP" smtClean="0"/>
+              <a:rPr kumimoji="1" lang="en-US" altLang="ja-JP"/>
               <a:t>5 </a:t>
             </a:r>
             <a:r>
-              <a:rPr kumimoji="1" lang="ja-JP" altLang="en-US" smtClean="0"/>
+              <a:rPr kumimoji="1" lang="ja-JP" altLang="en-US"/>
               <a:t>レベル</a:t>
             </a:r>
-            <a:endParaRPr kumimoji="1" lang="ja-JP" altLang="en-US"/>
           </a:p>
         </p:txBody>
       </p:sp>
@@ -1739,7 +1725,7 @@
           <a:p>
             <a:pPr lvl="0"/>
             <a:r>
-              <a:rPr kumimoji="1" lang="ja-JP" altLang="en-US" smtClean="0"/>
+              <a:rPr kumimoji="1" lang="ja-JP" altLang="en-US"/>
               <a:t>マスター テキストの書式設定</a:t>
             </a:r>
           </a:p>
@@ -1767,70 +1753,69 @@
           <a:p>
             <a:pPr lvl="0"/>
             <a:r>
-              <a:rPr kumimoji="1" lang="ja-JP" altLang="en-US" smtClean="0"/>
+              <a:rPr kumimoji="1" lang="ja-JP" altLang="en-US"/>
               <a:t>マスター テキストの書式設定</a:t>
             </a:r>
           </a:p>
           <a:p>
             <a:pPr lvl="1"/>
             <a:r>
-              <a:rPr kumimoji="1" lang="ja-JP" altLang="en-US" smtClean="0"/>
+              <a:rPr kumimoji="1" lang="ja-JP" altLang="en-US"/>
               <a:t>第 </a:t>
             </a:r>
             <a:r>
-              <a:rPr kumimoji="1" lang="en-US" altLang="ja-JP" smtClean="0"/>
+              <a:rPr kumimoji="1" lang="en-US" altLang="ja-JP"/>
               <a:t>2 </a:t>
             </a:r>
             <a:r>
-              <a:rPr kumimoji="1" lang="ja-JP" altLang="en-US" smtClean="0"/>
+              <a:rPr kumimoji="1" lang="ja-JP" altLang="en-US"/>
               <a:t>レベル</a:t>
             </a:r>
           </a:p>
           <a:p>
             <a:pPr lvl="2"/>
             <a:r>
-              <a:rPr kumimoji="1" lang="ja-JP" altLang="en-US" smtClean="0"/>
+              <a:rPr kumimoji="1" lang="ja-JP" altLang="en-US"/>
               <a:t>第 </a:t>
             </a:r>
             <a:r>
-              <a:rPr kumimoji="1" lang="en-US" altLang="ja-JP" smtClean="0"/>
+              <a:rPr kumimoji="1" lang="en-US" altLang="ja-JP"/>
               <a:t>3 </a:t>
             </a:r>
             <a:r>
-              <a:rPr kumimoji="1" lang="ja-JP" altLang="en-US" smtClean="0"/>
+              <a:rPr kumimoji="1" lang="ja-JP" altLang="en-US"/>
               <a:t>レベル</a:t>
             </a:r>
           </a:p>
           <a:p>
             <a:pPr lvl="3"/>
             <a:r>
-              <a:rPr kumimoji="1" lang="ja-JP" altLang="en-US" smtClean="0"/>
+              <a:rPr kumimoji="1" lang="ja-JP" altLang="en-US"/>
               <a:t>第 </a:t>
             </a:r>
             <a:r>
-              <a:rPr kumimoji="1" lang="en-US" altLang="ja-JP" smtClean="0"/>
+              <a:rPr kumimoji="1" lang="en-US" altLang="ja-JP"/>
               <a:t>4 </a:t>
             </a:r>
             <a:r>
-              <a:rPr kumimoji="1" lang="ja-JP" altLang="en-US" smtClean="0"/>
+              <a:rPr kumimoji="1" lang="ja-JP" altLang="en-US"/>
               <a:t>レベル</a:t>
             </a:r>
           </a:p>
           <a:p>
             <a:pPr lvl="4"/>
             <a:r>
-              <a:rPr kumimoji="1" lang="ja-JP" altLang="en-US" smtClean="0"/>
+              <a:rPr kumimoji="1" lang="ja-JP" altLang="en-US"/>
               <a:t>第 </a:t>
             </a:r>
             <a:r>
-              <a:rPr kumimoji="1" lang="en-US" altLang="ja-JP" smtClean="0"/>
+              <a:rPr kumimoji="1" lang="en-US" altLang="ja-JP"/>
               <a:t>5 </a:t>
             </a:r>
             <a:r>
-              <a:rPr kumimoji="1" lang="ja-JP" altLang="en-US" smtClean="0"/>
+              <a:rPr kumimoji="1" lang="ja-JP" altLang="en-US"/>
               <a:t>レベル</a:t>
             </a:r>
-            <a:endParaRPr kumimoji="1" lang="ja-JP" altLang="en-US"/>
           </a:p>
         </p:txBody>
       </p:sp>
@@ -1851,7 +1836,7 @@
           <a:p>
             <a:fld id="{2C5526FF-BF3D-EE43-BDDC-9A52BF65E849}" type="datetimeFigureOut">
               <a:rPr kumimoji="1" lang="ja-JP" altLang="en-US" smtClean="0"/>
-              <a:t>2018/5/16</a:t>
+              <a:t>2018/5/17</a:t>
             </a:fld>
             <a:endParaRPr kumimoji="1" lang="ja-JP" altLang="en-US"/>
           </a:p>
@@ -1945,10 +1930,9 @@
           <a:lstStyle/>
           <a:p>
             <a:r>
-              <a:rPr kumimoji="1" lang="ja-JP" altLang="en-US" smtClean="0"/>
+              <a:rPr kumimoji="1" lang="ja-JP" altLang="en-US"/>
               <a:t>マスター タイトルの書式設定</a:t>
             </a:r>
-            <a:endParaRPr kumimoji="1" lang="ja-JP" altLang="en-US"/>
           </a:p>
         </p:txBody>
       </p:sp>
@@ -1969,7 +1953,7 @@
           <a:p>
             <a:fld id="{2C5526FF-BF3D-EE43-BDDC-9A52BF65E849}" type="datetimeFigureOut">
               <a:rPr kumimoji="1" lang="ja-JP" altLang="en-US" smtClean="0"/>
-              <a:t>2018/5/16</a:t>
+              <a:t>2018/5/17</a:t>
             </a:fld>
             <a:endParaRPr kumimoji="1" lang="ja-JP" altLang="en-US"/>
           </a:p>
@@ -2064,7 +2048,7 @@
           <a:p>
             <a:fld id="{2C5526FF-BF3D-EE43-BDDC-9A52BF65E849}" type="datetimeFigureOut">
               <a:rPr kumimoji="1" lang="ja-JP" altLang="en-US" smtClean="0"/>
-              <a:t>2018/5/16</a:t>
+              <a:t>2018/5/17</a:t>
             </a:fld>
             <a:endParaRPr kumimoji="1" lang="ja-JP" altLang="en-US"/>
           </a:p>
@@ -2167,10 +2151,9 @@
           </a:lstStyle>
           <a:p>
             <a:r>
-              <a:rPr kumimoji="1" lang="ja-JP" altLang="en-US" smtClean="0"/>
+              <a:rPr kumimoji="1" lang="ja-JP" altLang="en-US"/>
               <a:t>マスター タイトルの書式設定</a:t>
             </a:r>
-            <a:endParaRPr kumimoji="1" lang="ja-JP" altLang="en-US"/>
           </a:p>
         </p:txBody>
       </p:sp>
@@ -2224,70 +2207,69 @@
           <a:p>
             <a:pPr lvl="0"/>
             <a:r>
-              <a:rPr kumimoji="1" lang="ja-JP" altLang="en-US" smtClean="0"/>
+              <a:rPr kumimoji="1" lang="ja-JP" altLang="en-US"/>
               <a:t>マスター テキストの書式設定</a:t>
             </a:r>
           </a:p>
           <a:p>
             <a:pPr lvl="1"/>
             <a:r>
-              <a:rPr kumimoji="1" lang="ja-JP" altLang="en-US" smtClean="0"/>
+              <a:rPr kumimoji="1" lang="ja-JP" altLang="en-US"/>
               <a:t>第 </a:t>
             </a:r>
             <a:r>
-              <a:rPr kumimoji="1" lang="en-US" altLang="ja-JP" smtClean="0"/>
+              <a:rPr kumimoji="1" lang="en-US" altLang="ja-JP"/>
               <a:t>2 </a:t>
             </a:r>
             <a:r>
-              <a:rPr kumimoji="1" lang="ja-JP" altLang="en-US" smtClean="0"/>
+              <a:rPr kumimoji="1" lang="ja-JP" altLang="en-US"/>
               <a:t>レベル</a:t>
             </a:r>
           </a:p>
           <a:p>
             <a:pPr lvl="2"/>
             <a:r>
-              <a:rPr kumimoji="1" lang="ja-JP" altLang="en-US" smtClean="0"/>
+              <a:rPr kumimoji="1" lang="ja-JP" altLang="en-US"/>
               <a:t>第 </a:t>
             </a:r>
             <a:r>
-              <a:rPr kumimoji="1" lang="en-US" altLang="ja-JP" smtClean="0"/>
+              <a:rPr kumimoji="1" lang="en-US" altLang="ja-JP"/>
               <a:t>3 </a:t>
             </a:r>
             <a:r>
-              <a:rPr kumimoji="1" lang="ja-JP" altLang="en-US" smtClean="0"/>
+              <a:rPr kumimoji="1" lang="ja-JP" altLang="en-US"/>
               <a:t>レベル</a:t>
             </a:r>
           </a:p>
           <a:p>
             <a:pPr lvl="3"/>
             <a:r>
-              <a:rPr kumimoji="1" lang="ja-JP" altLang="en-US" smtClean="0"/>
+              <a:rPr kumimoji="1" lang="ja-JP" altLang="en-US"/>
               <a:t>第 </a:t>
             </a:r>
             <a:r>
-              <a:rPr kumimoji="1" lang="en-US" altLang="ja-JP" smtClean="0"/>
+              <a:rPr kumimoji="1" lang="en-US" altLang="ja-JP"/>
               <a:t>4 </a:t>
             </a:r>
             <a:r>
-              <a:rPr kumimoji="1" lang="ja-JP" altLang="en-US" smtClean="0"/>
+              <a:rPr kumimoji="1" lang="ja-JP" altLang="en-US"/>
               <a:t>レベル</a:t>
             </a:r>
           </a:p>
           <a:p>
             <a:pPr lvl="4"/>
             <a:r>
-              <a:rPr kumimoji="1" lang="ja-JP" altLang="en-US" smtClean="0"/>
+              <a:rPr kumimoji="1" lang="ja-JP" altLang="en-US"/>
               <a:t>第 </a:t>
             </a:r>
             <a:r>
-              <a:rPr kumimoji="1" lang="en-US" altLang="ja-JP" smtClean="0"/>
+              <a:rPr kumimoji="1" lang="en-US" altLang="ja-JP"/>
               <a:t>5 </a:t>
             </a:r>
             <a:r>
-              <a:rPr kumimoji="1" lang="ja-JP" altLang="en-US" smtClean="0"/>
+              <a:rPr kumimoji="1" lang="ja-JP" altLang="en-US"/>
               <a:t>レベル</a:t>
             </a:r>
-            <a:endParaRPr kumimoji="1" lang="ja-JP" altLang="en-US"/>
           </a:p>
         </p:txBody>
       </p:sp>
@@ -2350,7 +2332,7 @@
           <a:p>
             <a:pPr lvl="0"/>
             <a:r>
-              <a:rPr kumimoji="1" lang="ja-JP" altLang="en-US" smtClean="0"/>
+              <a:rPr kumimoji="1" lang="ja-JP" altLang="en-US"/>
               <a:t>マスター テキストの書式設定</a:t>
             </a:r>
           </a:p>
@@ -2373,7 +2355,7 @@
           <a:p>
             <a:fld id="{2C5526FF-BF3D-EE43-BDDC-9A52BF65E849}" type="datetimeFigureOut">
               <a:rPr kumimoji="1" lang="ja-JP" altLang="en-US" smtClean="0"/>
-              <a:t>2018/5/16</a:t>
+              <a:t>2018/5/17</a:t>
             </a:fld>
             <a:endParaRPr kumimoji="1" lang="ja-JP" altLang="en-US"/>
           </a:p>
@@ -2476,10 +2458,9 @@
           </a:lstStyle>
           <a:p>
             <a:r>
-              <a:rPr kumimoji="1" lang="ja-JP" altLang="en-US" smtClean="0"/>
+              <a:rPr kumimoji="1" lang="ja-JP" altLang="en-US"/>
               <a:t>マスター タイトルの書式設定</a:t>
             </a:r>
-            <a:endParaRPr kumimoji="1" lang="ja-JP" altLang="en-US"/>
           </a:p>
         </p:txBody>
       </p:sp>
@@ -2603,7 +2584,7 @@
           <a:p>
             <a:pPr lvl="0"/>
             <a:r>
-              <a:rPr kumimoji="1" lang="ja-JP" altLang="en-US" smtClean="0"/>
+              <a:rPr kumimoji="1" lang="ja-JP" altLang="en-US"/>
               <a:t>マスター テキストの書式設定</a:t>
             </a:r>
           </a:p>
@@ -2626,7 +2607,7 @@
           <a:p>
             <a:fld id="{2C5526FF-BF3D-EE43-BDDC-9A52BF65E849}" type="datetimeFigureOut">
               <a:rPr kumimoji="1" lang="ja-JP" altLang="en-US" smtClean="0"/>
-              <a:t>2018/5/16</a:t>
+              <a:t>2018/5/17</a:t>
             </a:fld>
             <a:endParaRPr kumimoji="1" lang="ja-JP" altLang="en-US"/>
           </a:p>
@@ -2735,10 +2716,9 @@
           <a:lstStyle/>
           <a:p>
             <a:r>
-              <a:rPr kumimoji="1" lang="ja-JP" altLang="en-US" smtClean="0"/>
+              <a:rPr kumimoji="1" lang="ja-JP" altLang="en-US"/>
               <a:t>マスター タイトルの書式設定</a:t>
             </a:r>
-            <a:endParaRPr kumimoji="1" lang="ja-JP" altLang="en-US"/>
           </a:p>
         </p:txBody>
       </p:sp>
@@ -2769,70 +2749,69 @@
           <a:p>
             <a:pPr lvl="0"/>
             <a:r>
-              <a:rPr kumimoji="1" lang="ja-JP" altLang="en-US" smtClean="0"/>
+              <a:rPr kumimoji="1" lang="ja-JP" altLang="en-US"/>
               <a:t>マスター テキストの書式設定</a:t>
             </a:r>
           </a:p>
           <a:p>
             <a:pPr lvl="1"/>
             <a:r>
-              <a:rPr kumimoji="1" lang="ja-JP" altLang="en-US" smtClean="0"/>
+              <a:rPr kumimoji="1" lang="ja-JP" altLang="en-US"/>
               <a:t>第 </a:t>
             </a:r>
             <a:r>
-              <a:rPr kumimoji="1" lang="en-US" altLang="ja-JP" smtClean="0"/>
+              <a:rPr kumimoji="1" lang="en-US" altLang="ja-JP"/>
               <a:t>2 </a:t>
             </a:r>
             <a:r>
-              <a:rPr kumimoji="1" lang="ja-JP" altLang="en-US" smtClean="0"/>
+              <a:rPr kumimoji="1" lang="ja-JP" altLang="en-US"/>
               <a:t>レベル</a:t>
             </a:r>
           </a:p>
           <a:p>
             <a:pPr lvl="2"/>
             <a:r>
-              <a:rPr kumimoji="1" lang="ja-JP" altLang="en-US" smtClean="0"/>
+              <a:rPr kumimoji="1" lang="ja-JP" altLang="en-US"/>
               <a:t>第 </a:t>
             </a:r>
             <a:r>
-              <a:rPr kumimoji="1" lang="en-US" altLang="ja-JP" smtClean="0"/>
+              <a:rPr kumimoji="1" lang="en-US" altLang="ja-JP"/>
               <a:t>3 </a:t>
             </a:r>
             <a:r>
-              <a:rPr kumimoji="1" lang="ja-JP" altLang="en-US" smtClean="0"/>
+              <a:rPr kumimoji="1" lang="ja-JP" altLang="en-US"/>
               <a:t>レベル</a:t>
             </a:r>
           </a:p>
           <a:p>
             <a:pPr lvl="3"/>
             <a:r>
-              <a:rPr kumimoji="1" lang="ja-JP" altLang="en-US" smtClean="0"/>
+              <a:rPr kumimoji="1" lang="ja-JP" altLang="en-US"/>
               <a:t>第 </a:t>
             </a:r>
             <a:r>
-              <a:rPr kumimoji="1" lang="en-US" altLang="ja-JP" smtClean="0"/>
+              <a:rPr kumimoji="1" lang="en-US" altLang="ja-JP"/>
               <a:t>4 </a:t>
             </a:r>
             <a:r>
-              <a:rPr kumimoji="1" lang="ja-JP" altLang="en-US" smtClean="0"/>
+              <a:rPr kumimoji="1" lang="ja-JP" altLang="en-US"/>
               <a:t>レベル</a:t>
             </a:r>
           </a:p>
           <a:p>
             <a:pPr lvl="4"/>
             <a:r>
-              <a:rPr kumimoji="1" lang="ja-JP" altLang="en-US" smtClean="0"/>
+              <a:rPr kumimoji="1" lang="ja-JP" altLang="en-US"/>
               <a:t>第 </a:t>
             </a:r>
             <a:r>
-              <a:rPr kumimoji="1" lang="en-US" altLang="ja-JP" smtClean="0"/>
+              <a:rPr kumimoji="1" lang="en-US" altLang="ja-JP"/>
               <a:t>5 </a:t>
             </a:r>
             <a:r>
-              <a:rPr kumimoji="1" lang="ja-JP" altLang="en-US" smtClean="0"/>
+              <a:rPr kumimoji="1" lang="ja-JP" altLang="en-US"/>
               <a:t>レベル</a:t>
             </a:r>
-            <a:endParaRPr kumimoji="1" lang="ja-JP" altLang="en-US"/>
           </a:p>
         </p:txBody>
       </p:sp>
@@ -2871,7 +2850,7 @@
           <a:p>
             <a:fld id="{2C5526FF-BF3D-EE43-BDDC-9A52BF65E849}" type="datetimeFigureOut">
               <a:rPr kumimoji="1" lang="ja-JP" altLang="en-US" smtClean="0"/>
-              <a:t>2018/5/16</a:t>
+              <a:t>2018/5/17</a:t>
             </a:fld>
             <a:endParaRPr kumimoji="1" lang="ja-JP" altLang="en-US"/>
           </a:p>
@@ -3297,18 +3276,17 @@
           <a:lstStyle/>
           <a:p>
             <a:r>
-              <a:rPr kumimoji="1" lang="en-US" altLang="ja-JP" dirty="0" err="1" smtClean="0"/>
+              <a:rPr kumimoji="1" lang="en-US" altLang="ja-JP" dirty="0" err="1"/>
               <a:t>MeCab</a:t>
             </a:r>
             <a:r>
-              <a:rPr kumimoji="1" lang="en-US" altLang="ja-JP" dirty="0" smtClean="0"/>
+              <a:rPr kumimoji="1" lang="en-US" altLang="ja-JP" dirty="0"/>
               <a:t> </a:t>
             </a:r>
             <a:r>
-              <a:rPr kumimoji="1" lang="ja-JP" altLang="en-US" dirty="0" smtClean="0"/>
+              <a:rPr kumimoji="1" lang="ja-JP" altLang="en-US" dirty="0"/>
               <a:t>インストール方法</a:t>
             </a:r>
-            <a:endParaRPr kumimoji="1" lang="ja-JP" altLang="en-US" dirty="0"/>
           </a:p>
         </p:txBody>
       </p:sp>
@@ -3365,10 +3343,9 @@
           <a:lstStyle/>
           <a:p>
             <a:r>
-              <a:rPr kumimoji="1" lang="ja-JP" altLang="en-US" sz="3600" dirty="0" smtClean="0"/>
+              <a:rPr kumimoji="1" lang="ja-JP" altLang="en-US" sz="3600" dirty="0"/>
               <a:t>目次</a:t>
             </a:r>
-            <a:endParaRPr kumimoji="1" lang="ja-JP" altLang="en-US" sz="3600" dirty="0"/>
           </a:p>
         </p:txBody>
       </p:sp>
@@ -3395,7 +3372,7 @@
           <a:lstStyle/>
           <a:p>
             <a:r>
-              <a:rPr kumimoji="1" lang="en-US" altLang="ja-JP" sz="3600" dirty="0" smtClean="0"/>
+              <a:rPr kumimoji="1" lang="en-US" altLang="ja-JP" sz="3600" dirty="0"/>
               <a:t>1. Windows</a:t>
             </a:r>
             <a:endParaRPr kumimoji="1" lang="ja-JP" altLang="en-US" sz="3600" dirty="0"/>
@@ -3425,7 +3402,7 @@
           <a:lstStyle/>
           <a:p>
             <a:r>
-              <a:rPr kumimoji="1" lang="en-US" altLang="ja-JP" sz="3600" dirty="0" smtClean="0"/>
+              <a:rPr kumimoji="1" lang="en-US" altLang="ja-JP" sz="3600" dirty="0"/>
               <a:t>2. Mac OS</a:t>
             </a:r>
             <a:endParaRPr kumimoji="1" lang="ja-JP" altLang="en-US" sz="3600" dirty="0"/>
@@ -3455,7 +3432,7 @@
           <a:lstStyle/>
           <a:p>
             <a:r>
-              <a:rPr kumimoji="1" lang="en-US" altLang="ja-JP" sz="3600" dirty="0" smtClean="0"/>
+              <a:rPr kumimoji="1" lang="en-US" altLang="ja-JP" sz="3600" dirty="0"/>
               <a:t>3. Linux</a:t>
             </a:r>
             <a:endParaRPr kumimoji="1" lang="ja-JP" altLang="en-US" sz="3600" dirty="0"/>
@@ -3545,22 +3522,21 @@
           <a:lstStyle/>
           <a:p>
             <a:r>
-              <a:rPr kumimoji="1" lang="en-US" altLang="ja-JP" dirty="0" smtClean="0"/>
+              <a:rPr kumimoji="1" lang="en-US" altLang="ja-JP" dirty="0"/>
               <a:t>①</a:t>
             </a:r>
             <a:r>
-              <a:rPr kumimoji="1" lang="en-US" altLang="ja-JP" dirty="0" err="1" smtClean="0"/>
+              <a:rPr kumimoji="1" lang="en-US" altLang="ja-JP" dirty="0" err="1"/>
               <a:t>MeCab</a:t>
             </a:r>
             <a:r>
-              <a:rPr kumimoji="1" lang="en-US" altLang="ja-JP" dirty="0" smtClean="0"/>
+              <a:rPr kumimoji="1" lang="en-US" altLang="ja-JP" dirty="0"/>
               <a:t>(64bit)</a:t>
             </a:r>
             <a:r>
-              <a:rPr kumimoji="1" lang="ja-JP" altLang="en-US" dirty="0" smtClean="0"/>
+              <a:rPr kumimoji="1" lang="ja-JP" altLang="en-US" dirty="0"/>
               <a:t>のインストール</a:t>
             </a:r>
-            <a:endParaRPr kumimoji="1" lang="ja-JP" altLang="en-US" dirty="0"/>
           </a:p>
         </p:txBody>
       </p:sp>
@@ -3587,22 +3563,21 @@
           <a:lstStyle/>
           <a:p>
             <a:r>
-              <a:rPr lang="en-US" altLang="ja-JP" dirty="0" smtClean="0"/>
+              <a:rPr lang="en-US" altLang="ja-JP" dirty="0"/>
               <a:t>②</a:t>
             </a:r>
             <a:r>
-              <a:rPr kumimoji="1" lang="ja-JP" altLang="en-US" dirty="0" smtClean="0"/>
+              <a:rPr kumimoji="1" lang="ja-JP" altLang="en-US" dirty="0"/>
               <a:t>環境変数</a:t>
             </a:r>
             <a:r>
-              <a:rPr kumimoji="1" lang="en-US" altLang="ja-JP" dirty="0" smtClean="0"/>
+              <a:rPr kumimoji="1" lang="en-US" altLang="ja-JP" dirty="0"/>
               <a:t>(PATH)</a:t>
             </a:r>
             <a:r>
-              <a:rPr kumimoji="1" lang="ja-JP" altLang="en-US" dirty="0" smtClean="0"/>
+              <a:rPr kumimoji="1" lang="ja-JP" altLang="en-US" dirty="0"/>
               <a:t>を通す</a:t>
             </a:r>
-            <a:endParaRPr kumimoji="1" lang="ja-JP" altLang="en-US" dirty="0"/>
           </a:p>
         </p:txBody>
       </p:sp>
@@ -3629,22 +3604,21 @@
           <a:lstStyle/>
           <a:p>
             <a:r>
-              <a:rPr lang="en-US" altLang="ja-JP" dirty="0" smtClean="0"/>
+              <a:rPr lang="en-US" altLang="ja-JP" dirty="0"/>
               <a:t>③</a:t>
             </a:r>
             <a:r>
-              <a:rPr kumimoji="1" lang="en-US" altLang="ja-JP" dirty="0" err="1" smtClean="0"/>
+              <a:rPr kumimoji="1" lang="en-US" altLang="ja-JP" dirty="0" err="1"/>
               <a:t>mecab</a:t>
             </a:r>
             <a:r>
-              <a:rPr kumimoji="1" lang="en-US" altLang="ja-JP" dirty="0" smtClean="0"/>
+              <a:rPr kumimoji="1" lang="en-US" altLang="ja-JP" dirty="0"/>
               <a:t>-python-windows</a:t>
             </a:r>
             <a:r>
-              <a:rPr kumimoji="1" lang="ja-JP" altLang="en-US" dirty="0" smtClean="0"/>
+              <a:rPr kumimoji="1" lang="ja-JP" altLang="en-US" dirty="0"/>
               <a:t>をインストール</a:t>
             </a:r>
-            <a:endParaRPr kumimoji="1" lang="ja-JP" altLang="en-US" dirty="0"/>
           </a:p>
         </p:txBody>
       </p:sp>
@@ -3671,14 +3645,13 @@
           <a:lstStyle/>
           <a:p>
             <a:r>
-              <a:rPr lang="en-US" altLang="ja-JP" dirty="0" smtClean="0"/>
+              <a:rPr lang="en-US" altLang="ja-JP" dirty="0"/>
               <a:t>④</a:t>
             </a:r>
             <a:r>
-              <a:rPr kumimoji="1" lang="ja-JP" altLang="en-US" dirty="0" smtClean="0"/>
+              <a:rPr kumimoji="1" lang="ja-JP" altLang="en-US" dirty="0"/>
               <a:t>動作確認</a:t>
             </a:r>
-            <a:endParaRPr kumimoji="1" lang="ja-JP" altLang="en-US" dirty="0"/>
           </a:p>
         </p:txBody>
       </p:sp>
@@ -3765,22 +3738,21 @@
           <a:lstStyle/>
           <a:p>
             <a:r>
-              <a:rPr kumimoji="1" lang="en-US" altLang="ja-JP" dirty="0" smtClean="0"/>
+              <a:rPr kumimoji="1" lang="en-US" altLang="ja-JP" dirty="0"/>
               <a:t>①</a:t>
             </a:r>
             <a:r>
-              <a:rPr kumimoji="1" lang="en-US" altLang="ja-JP" dirty="0" err="1" smtClean="0"/>
+              <a:rPr kumimoji="1" lang="en-US" altLang="ja-JP" dirty="0" err="1"/>
               <a:t>MeCab</a:t>
             </a:r>
             <a:r>
-              <a:rPr kumimoji="1" lang="en-US" altLang="ja-JP" dirty="0" smtClean="0"/>
+              <a:rPr kumimoji="1" lang="en-US" altLang="ja-JP" dirty="0"/>
               <a:t>(64bit)</a:t>
             </a:r>
             <a:r>
-              <a:rPr kumimoji="1" lang="ja-JP" altLang="en-US" dirty="0" smtClean="0"/>
+              <a:rPr kumimoji="1" lang="ja-JP" altLang="en-US" dirty="0"/>
               <a:t>のインストール</a:t>
             </a:r>
-            <a:endParaRPr kumimoji="1" lang="ja-JP" altLang="en-US" dirty="0"/>
           </a:p>
         </p:txBody>
       </p:sp>
@@ -3847,7 +3819,7 @@
         <p:spPr>
           <a:xfrm>
             <a:off x="1518699" y="3458818"/>
-            <a:ext cx="2723823" cy="369332"/>
+            <a:ext cx="3877985" cy="369332"/>
           </a:xfrm>
           <a:prstGeom prst="rect">
             <a:avLst/>
@@ -3861,11 +3833,19 @@
           <a:lstStyle/>
           <a:p>
             <a:r>
-              <a:rPr kumimoji="1" lang="ja-JP" altLang="en-US" dirty="0" smtClean="0"/>
+              <a:rPr kumimoji="1" lang="ja-JP" altLang="en-US"/>
+              <a:t>上記の</a:t>
+            </a:r>
+            <a:r>
+              <a:rPr kumimoji="1" lang="en-US" altLang="ja-JP" dirty="0"/>
+              <a:t>URL</a:t>
+            </a:r>
+            <a:r>
+              <a:rPr kumimoji="1" lang="ja-JP" altLang="en-US"/>
               <a:t>から</a:t>
             </a:r>
             <a:r>
-              <a:rPr lang="ja-JP" altLang="en-US" smtClean="0"/>
+              <a:rPr lang="ja-JP" altLang="en-US"/>
               <a:t>ダウンロード・実行</a:t>
             </a:r>
             <a:endParaRPr kumimoji="1" lang="ja-JP" altLang="en-US" dirty="0"/>
@@ -3895,7 +3875,7 @@
           <a:lstStyle/>
           <a:p>
             <a:r>
-              <a:rPr lang="ja-JP" altLang="en-US" smtClean="0"/>
+              <a:rPr lang="ja-JP" altLang="en-US"/>
               <a:t>写真貼り付け</a:t>
             </a:r>
             <a:endParaRPr kumimoji="1" lang="ja-JP" altLang="en-US" dirty="0"/>
@@ -3985,7 +3965,7 @@
           <a:lstStyle/>
           <a:p>
             <a:r>
-              <a:rPr lang="en-US" altLang="ja-JP" dirty="0" smtClean="0"/>
+              <a:rPr lang="en-US" altLang="ja-JP" dirty="0"/>
               <a:t>②</a:t>
             </a:r>
             <a:r>
@@ -4000,7 +3980,6 @@
               <a:rPr lang="ja-JP" altLang="en-US" dirty="0"/>
               <a:t>を通す</a:t>
             </a:r>
-            <a:endParaRPr lang="ja-JP" altLang="en-US" dirty="0"/>
           </a:p>
         </p:txBody>
       </p:sp>
@@ -4027,10 +4006,9 @@
           <a:lstStyle/>
           <a:p>
             <a:r>
-              <a:rPr kumimoji="1" lang="ja-JP" altLang="en-US" dirty="0" smtClean="0"/>
+              <a:rPr kumimoji="1" lang="ja-JP" altLang="en-US" dirty="0"/>
               <a:t>写真貼り付け</a:t>
             </a:r>
-            <a:endParaRPr kumimoji="1" lang="ja-JP" altLang="en-US" dirty="0"/>
           </a:p>
         </p:txBody>
       </p:sp>
@@ -4117,7 +4095,7 @@
           <a:lstStyle/>
           <a:p>
             <a:r>
-              <a:rPr lang="en-US" altLang="ja-JP" dirty="0" smtClean="0"/>
+              <a:rPr lang="en-US" altLang="ja-JP" dirty="0"/>
               <a:t>③</a:t>
             </a:r>
             <a:r>
@@ -4132,7 +4110,6 @@
               <a:rPr lang="ja-JP" altLang="en-US" dirty="0"/>
               <a:t>をインストール</a:t>
             </a:r>
-            <a:endParaRPr lang="ja-JP" altLang="en-US" dirty="0"/>
           </a:p>
         </p:txBody>
       </p:sp>
@@ -4159,15 +4136,15 @@
           <a:lstStyle/>
           <a:p>
             <a:r>
-              <a:rPr lang="en-US" altLang="ja-JP" dirty="0" smtClean="0"/>
+              <a:rPr lang="en-US" altLang="ja-JP" dirty="0"/>
               <a:t>pip install </a:t>
             </a:r>
             <a:r>
-              <a:rPr lang="en-US" altLang="ja-JP" dirty="0" err="1" smtClean="0"/>
+              <a:rPr lang="en-US" altLang="ja-JP" dirty="0" err="1"/>
               <a:t>mecab</a:t>
             </a:r>
             <a:r>
-              <a:rPr lang="en-US" altLang="ja-JP" dirty="0" smtClean="0"/>
+              <a:rPr lang="en-US" altLang="ja-JP" dirty="0"/>
               <a:t>-python-windows</a:t>
             </a:r>
             <a:endParaRPr kumimoji="1" lang="ja-JP" altLang="en-US" dirty="0"/>
@@ -4197,10 +4174,9 @@
           <a:lstStyle/>
           <a:p>
             <a:r>
-              <a:rPr kumimoji="1" lang="ja-JP" altLang="en-US" dirty="0" smtClean="0"/>
+              <a:rPr kumimoji="1" lang="ja-JP" altLang="en-US" dirty="0"/>
               <a:t>写真貼り付け</a:t>
             </a:r>
-            <a:endParaRPr kumimoji="1" lang="ja-JP" altLang="en-US" dirty="0"/>
           </a:p>
         </p:txBody>
       </p:sp>
@@ -4287,14 +4263,13 @@
           <a:lstStyle/>
           <a:p>
             <a:r>
-              <a:rPr lang="en-US" altLang="ja-JP" dirty="0" smtClean="0"/>
+              <a:rPr lang="en-US" altLang="ja-JP" dirty="0"/>
               <a:t>④</a:t>
             </a:r>
             <a:r>
               <a:rPr lang="ja-JP" altLang="en-US" dirty="0"/>
               <a:t>動作確認</a:t>
             </a:r>
-            <a:endParaRPr lang="ja-JP" altLang="en-US" dirty="0"/>
           </a:p>
         </p:txBody>
       </p:sp>
@@ -4321,55 +4296,55 @@
           <a:lstStyle/>
           <a:p>
             <a:r>
-              <a:rPr lang="en-US" altLang="ja-JP" dirty="0" smtClean="0"/>
+              <a:rPr lang="en-US" altLang="ja-JP" dirty="0"/>
               <a:t>import </a:t>
             </a:r>
             <a:r>
-              <a:rPr lang="en-US" altLang="ja-JP" dirty="0" err="1" smtClean="0"/>
+              <a:rPr lang="en-US" altLang="ja-JP" dirty="0" err="1"/>
               <a:t>MeCab</a:t>
             </a:r>
-            <a:endParaRPr lang="en-US" altLang="ja-JP" dirty="0" smtClean="0"/>
+            <a:endParaRPr lang="en-US" altLang="ja-JP" dirty="0"/>
           </a:p>
           <a:p>
             <a:endParaRPr kumimoji="1" lang="en-US" altLang="ja-JP" dirty="0"/>
           </a:p>
           <a:p>
             <a:r>
-              <a:rPr lang="en-US" altLang="ja-JP" dirty="0" smtClean="0"/>
+              <a:rPr lang="en-US" altLang="ja-JP" dirty="0"/>
               <a:t>t = </a:t>
             </a:r>
             <a:r>
-              <a:rPr lang="en-US" altLang="ja-JP" dirty="0" err="1" smtClean="0"/>
+              <a:rPr lang="en-US" altLang="ja-JP" dirty="0" err="1"/>
               <a:t>MeCab.Tagger</a:t>
             </a:r>
             <a:r>
-              <a:rPr lang="en-US" altLang="ja-JP" dirty="0" smtClean="0"/>
+              <a:rPr lang="en-US" altLang="ja-JP" dirty="0"/>
               <a:t>()</a:t>
             </a:r>
           </a:p>
           <a:p>
             <a:r>
-              <a:rPr kumimoji="1" lang="en-US" altLang="ja-JP" dirty="0" smtClean="0"/>
+              <a:rPr kumimoji="1" lang="en-US" altLang="ja-JP" dirty="0"/>
               <a:t>print(</a:t>
             </a:r>
             <a:r>
-              <a:rPr kumimoji="1" lang="en-US" altLang="ja-JP" dirty="0" err="1" smtClean="0"/>
+              <a:rPr kumimoji="1" lang="en-US" altLang="ja-JP" dirty="0" err="1"/>
               <a:t>t.parse</a:t>
             </a:r>
             <a:r>
-              <a:rPr kumimoji="1" lang="en-US" altLang="ja-JP" dirty="0" smtClean="0"/>
+              <a:rPr kumimoji="1" lang="en-US" altLang="ja-JP" dirty="0"/>
               <a:t>(“</a:t>
             </a:r>
             <a:r>
-              <a:rPr kumimoji="1" lang="ja-JP" altLang="en-US" dirty="0" smtClean="0"/>
+              <a:rPr kumimoji="1" lang="ja-JP" altLang="en-US" dirty="0"/>
               <a:t>私は山田です</a:t>
             </a:r>
             <a:r>
-              <a:rPr lang="ja-JP" altLang="en-US" dirty="0" smtClean="0"/>
+              <a:rPr lang="ja-JP" altLang="en-US" dirty="0"/>
               <a:t>。</a:t>
             </a:r>
             <a:r>
-              <a:rPr lang="en-US" altLang="ja-JP" dirty="0" smtClean="0"/>
+              <a:rPr lang="en-US" altLang="ja-JP" dirty="0"/>
               <a:t>”))</a:t>
             </a:r>
             <a:endParaRPr kumimoji="1" lang="ja-JP" altLang="en-US" dirty="0"/>
@@ -4439,7 +4414,7 @@
           <a:lstStyle/>
           <a:p>
             <a:r>
-              <a:rPr kumimoji="1" lang="ja-JP" altLang="en-US" smtClean="0"/>
+              <a:rPr kumimoji="1" lang="ja-JP" altLang="en-US"/>
               <a:t>写真貼り付け</a:t>
             </a:r>
             <a:endParaRPr kumimoji="1" lang="ja-JP" altLang="en-US" dirty="0"/>
@@ -4529,22 +4504,21 @@
           <a:lstStyle/>
           <a:p>
             <a:r>
-              <a:rPr kumimoji="1" lang="en-US" altLang="ja-JP" dirty="0" smtClean="0"/>
+              <a:rPr kumimoji="1" lang="en-US" altLang="ja-JP" dirty="0"/>
               <a:t>①</a:t>
             </a:r>
             <a:r>
-              <a:rPr kumimoji="1" lang="en-US" altLang="ja-JP" dirty="0" err="1" smtClean="0"/>
+              <a:rPr kumimoji="1" lang="en-US" altLang="ja-JP" dirty="0" err="1"/>
               <a:t>MeCab</a:t>
             </a:r>
             <a:r>
-              <a:rPr kumimoji="1" lang="en-US" altLang="ja-JP" dirty="0" smtClean="0"/>
+              <a:rPr kumimoji="1" lang="en-US" altLang="ja-JP" dirty="0"/>
               <a:t>(64bit)</a:t>
             </a:r>
             <a:r>
-              <a:rPr kumimoji="1" lang="ja-JP" altLang="en-US" dirty="0" smtClean="0"/>
+              <a:rPr kumimoji="1" lang="ja-JP" altLang="en-US" dirty="0"/>
               <a:t>のインストール</a:t>
             </a:r>
-            <a:endParaRPr kumimoji="1" lang="ja-JP" altLang="en-US" dirty="0"/>
           </a:p>
         </p:txBody>
       </p:sp>
@@ -4571,22 +4545,21 @@
           <a:lstStyle/>
           <a:p>
             <a:r>
-              <a:rPr lang="en-US" altLang="ja-JP" dirty="0" smtClean="0"/>
+              <a:rPr lang="en-US" altLang="ja-JP" dirty="0"/>
               <a:t>②</a:t>
             </a:r>
             <a:r>
-              <a:rPr kumimoji="1" lang="ja-JP" altLang="en-US" dirty="0" smtClean="0"/>
+              <a:rPr kumimoji="1" lang="ja-JP" altLang="en-US" dirty="0"/>
               <a:t>環境変数</a:t>
             </a:r>
             <a:r>
-              <a:rPr kumimoji="1" lang="en-US" altLang="ja-JP" dirty="0" smtClean="0"/>
+              <a:rPr kumimoji="1" lang="en-US" altLang="ja-JP" dirty="0"/>
               <a:t>(PATH)</a:t>
             </a:r>
             <a:r>
-              <a:rPr kumimoji="1" lang="ja-JP" altLang="en-US" dirty="0" smtClean="0"/>
+              <a:rPr kumimoji="1" lang="ja-JP" altLang="en-US" dirty="0"/>
               <a:t>を通す</a:t>
             </a:r>
-            <a:endParaRPr kumimoji="1" lang="ja-JP" altLang="en-US" dirty="0"/>
           </a:p>
         </p:txBody>
       </p:sp>
@@ -4613,22 +4586,21 @@
           <a:lstStyle/>
           <a:p>
             <a:r>
-              <a:rPr lang="en-US" altLang="ja-JP" dirty="0" smtClean="0"/>
+              <a:rPr lang="en-US" altLang="ja-JP" dirty="0"/>
               <a:t>③</a:t>
             </a:r>
             <a:r>
-              <a:rPr kumimoji="1" lang="en-US" altLang="ja-JP" dirty="0" err="1" smtClean="0"/>
+              <a:rPr kumimoji="1" lang="en-US" altLang="ja-JP" dirty="0" err="1"/>
               <a:t>mecab</a:t>
             </a:r>
             <a:r>
-              <a:rPr kumimoji="1" lang="en-US" altLang="ja-JP" dirty="0" smtClean="0"/>
+              <a:rPr kumimoji="1" lang="en-US" altLang="ja-JP" dirty="0"/>
               <a:t>-python-windows</a:t>
             </a:r>
             <a:r>
-              <a:rPr kumimoji="1" lang="ja-JP" altLang="en-US" dirty="0" smtClean="0"/>
+              <a:rPr kumimoji="1" lang="ja-JP" altLang="en-US" dirty="0"/>
               <a:t>をインストール</a:t>
             </a:r>
-            <a:endParaRPr kumimoji="1" lang="ja-JP" altLang="en-US" dirty="0"/>
           </a:p>
         </p:txBody>
       </p:sp>
@@ -4655,14 +4627,13 @@
           <a:lstStyle/>
           <a:p>
             <a:r>
-              <a:rPr lang="en-US" altLang="ja-JP" dirty="0" smtClean="0"/>
+              <a:rPr lang="en-US" altLang="ja-JP" dirty="0"/>
               <a:t>④</a:t>
             </a:r>
             <a:r>
-              <a:rPr kumimoji="1" lang="ja-JP" altLang="en-US" dirty="0" smtClean="0"/>
+              <a:rPr kumimoji="1" lang="ja-JP" altLang="en-US" dirty="0"/>
               <a:t>動作確認</a:t>
             </a:r>
-            <a:endParaRPr kumimoji="1" lang="ja-JP" altLang="en-US" dirty="0"/>
           </a:p>
         </p:txBody>
       </p:sp>
@@ -4719,7 +4690,7 @@
           <a:lstStyle/>
           <a:p>
             <a:r>
-              <a:rPr lang="en-US" altLang="ja-JP" sz="3600" dirty="0" smtClean="0"/>
+              <a:rPr lang="en-US" altLang="ja-JP" sz="3600" dirty="0"/>
               <a:t>3. Linux</a:t>
             </a:r>
             <a:endParaRPr lang="ja-JP" altLang="en-US" sz="3600" dirty="0"/>
@@ -4749,22 +4720,21 @@
           <a:lstStyle/>
           <a:p>
             <a:r>
-              <a:rPr kumimoji="1" lang="en-US" altLang="ja-JP" dirty="0" smtClean="0"/>
+              <a:rPr kumimoji="1" lang="en-US" altLang="ja-JP" dirty="0"/>
               <a:t>①</a:t>
             </a:r>
             <a:r>
-              <a:rPr kumimoji="1" lang="en-US" altLang="ja-JP" dirty="0" err="1" smtClean="0"/>
+              <a:rPr kumimoji="1" lang="en-US" altLang="ja-JP" dirty="0" err="1"/>
               <a:t>MeCab</a:t>
             </a:r>
             <a:r>
-              <a:rPr kumimoji="1" lang="en-US" altLang="ja-JP" dirty="0" smtClean="0"/>
+              <a:rPr kumimoji="1" lang="en-US" altLang="ja-JP" dirty="0"/>
               <a:t>(64bit)</a:t>
             </a:r>
             <a:r>
-              <a:rPr kumimoji="1" lang="ja-JP" altLang="en-US" dirty="0" smtClean="0"/>
+              <a:rPr kumimoji="1" lang="ja-JP" altLang="en-US" dirty="0"/>
               <a:t>のインストール</a:t>
             </a:r>
-            <a:endParaRPr kumimoji="1" lang="ja-JP" altLang="en-US" dirty="0"/>
           </a:p>
         </p:txBody>
       </p:sp>
@@ -4791,22 +4761,21 @@
           <a:lstStyle/>
           <a:p>
             <a:r>
-              <a:rPr lang="en-US" altLang="ja-JP" dirty="0" smtClean="0"/>
+              <a:rPr lang="en-US" altLang="ja-JP" dirty="0"/>
               <a:t>②</a:t>
             </a:r>
             <a:r>
-              <a:rPr kumimoji="1" lang="ja-JP" altLang="en-US" dirty="0" smtClean="0"/>
+              <a:rPr kumimoji="1" lang="ja-JP" altLang="en-US" dirty="0"/>
               <a:t>環境変数</a:t>
             </a:r>
             <a:r>
-              <a:rPr kumimoji="1" lang="en-US" altLang="ja-JP" dirty="0" smtClean="0"/>
+              <a:rPr kumimoji="1" lang="en-US" altLang="ja-JP" dirty="0"/>
               <a:t>(PATH)</a:t>
             </a:r>
             <a:r>
-              <a:rPr kumimoji="1" lang="ja-JP" altLang="en-US" dirty="0" smtClean="0"/>
+              <a:rPr kumimoji="1" lang="ja-JP" altLang="en-US" dirty="0"/>
               <a:t>を通す</a:t>
             </a:r>
-            <a:endParaRPr kumimoji="1" lang="ja-JP" altLang="en-US" dirty="0"/>
           </a:p>
         </p:txBody>
       </p:sp>
@@ -4833,22 +4802,21 @@
           <a:lstStyle/>
           <a:p>
             <a:r>
-              <a:rPr lang="en-US" altLang="ja-JP" dirty="0" smtClean="0"/>
+              <a:rPr lang="en-US" altLang="ja-JP" dirty="0"/>
               <a:t>③</a:t>
             </a:r>
             <a:r>
-              <a:rPr kumimoji="1" lang="en-US" altLang="ja-JP" dirty="0" err="1" smtClean="0"/>
+              <a:rPr kumimoji="1" lang="en-US" altLang="ja-JP" dirty="0" err="1"/>
               <a:t>mecab</a:t>
             </a:r>
             <a:r>
-              <a:rPr kumimoji="1" lang="en-US" altLang="ja-JP" dirty="0" smtClean="0"/>
+              <a:rPr kumimoji="1" lang="en-US" altLang="ja-JP" dirty="0"/>
               <a:t>-python-windows</a:t>
             </a:r>
             <a:r>
-              <a:rPr kumimoji="1" lang="ja-JP" altLang="en-US" dirty="0" smtClean="0"/>
+              <a:rPr kumimoji="1" lang="ja-JP" altLang="en-US" dirty="0"/>
               <a:t>をインストール</a:t>
             </a:r>
-            <a:endParaRPr kumimoji="1" lang="ja-JP" altLang="en-US" dirty="0"/>
           </a:p>
         </p:txBody>
       </p:sp>
@@ -4875,14 +4843,13 @@
           <a:lstStyle/>
           <a:p>
             <a:r>
-              <a:rPr lang="en-US" altLang="ja-JP" dirty="0" smtClean="0"/>
+              <a:rPr lang="en-US" altLang="ja-JP" dirty="0"/>
               <a:t>④</a:t>
             </a:r>
             <a:r>
-              <a:rPr kumimoji="1" lang="ja-JP" altLang="en-US" dirty="0" smtClean="0"/>
+              <a:rPr kumimoji="1" lang="ja-JP" altLang="en-US" dirty="0"/>
               <a:t>動作確認</a:t>
             </a:r>
-            <a:endParaRPr kumimoji="1" lang="ja-JP" altLang="en-US" dirty="0"/>
           </a:p>
         </p:txBody>
       </p:sp>

--- a/doc/mecab.pptx
+++ b/doc/mecab.pptx
@@ -10,10 +10,12 @@
     <p:sldId id="258" r:id="rId4"/>
     <p:sldId id="259" r:id="rId5"/>
     <p:sldId id="260" r:id="rId6"/>
-    <p:sldId id="261" r:id="rId7"/>
-    <p:sldId id="262" r:id="rId8"/>
-    <p:sldId id="263" r:id="rId9"/>
-    <p:sldId id="264" r:id="rId10"/>
+    <p:sldId id="266" r:id="rId7"/>
+    <p:sldId id="261" r:id="rId8"/>
+    <p:sldId id="262" r:id="rId9"/>
+    <p:sldId id="263" r:id="rId10"/>
+    <p:sldId id="265" r:id="rId11"/>
+    <p:sldId id="267" r:id="rId12"/>
   </p:sldIdLst>
   <p:sldSz cx="12192000" cy="6858000"/>
   <p:notesSz cx="6858000" cy="9144000"/>
@@ -260,7 +262,7 @@
           <a:p>
             <a:fld id="{2C5526FF-BF3D-EE43-BDDC-9A52BF65E849}" type="datetimeFigureOut">
               <a:rPr kumimoji="1" lang="ja-JP" altLang="en-US" smtClean="0"/>
-              <a:t>2018/5/17</a:t>
+              <a:t>2018/5/23</a:t>
             </a:fld>
             <a:endParaRPr kumimoji="1" lang="ja-JP" altLang="en-US"/>
           </a:p>
@@ -460,7 +462,7 @@
           <a:p>
             <a:fld id="{2C5526FF-BF3D-EE43-BDDC-9A52BF65E849}" type="datetimeFigureOut">
               <a:rPr kumimoji="1" lang="ja-JP" altLang="en-US" smtClean="0"/>
-              <a:t>2018/5/17</a:t>
+              <a:t>2018/5/23</a:t>
             </a:fld>
             <a:endParaRPr kumimoji="1" lang="ja-JP" altLang="en-US"/>
           </a:p>
@@ -670,7 +672,7 @@
           <a:p>
             <a:fld id="{2C5526FF-BF3D-EE43-BDDC-9A52BF65E849}" type="datetimeFigureOut">
               <a:rPr kumimoji="1" lang="ja-JP" altLang="en-US" smtClean="0"/>
-              <a:t>2018/5/17</a:t>
+              <a:t>2018/5/23</a:t>
             </a:fld>
             <a:endParaRPr kumimoji="1" lang="ja-JP" altLang="en-US"/>
           </a:p>
@@ -870,7 +872,7 @@
           <a:p>
             <a:fld id="{2C5526FF-BF3D-EE43-BDDC-9A52BF65E849}" type="datetimeFigureOut">
               <a:rPr kumimoji="1" lang="ja-JP" altLang="en-US" smtClean="0"/>
-              <a:t>2018/5/17</a:t>
+              <a:t>2018/5/23</a:t>
             </a:fld>
             <a:endParaRPr kumimoji="1" lang="ja-JP" altLang="en-US"/>
           </a:p>
@@ -1115,7 +1117,7 @@
           <a:p>
             <a:fld id="{2C5526FF-BF3D-EE43-BDDC-9A52BF65E849}" type="datetimeFigureOut">
               <a:rPr kumimoji="1" lang="ja-JP" altLang="en-US" smtClean="0"/>
-              <a:t>2018/5/17</a:t>
+              <a:t>2018/5/23</a:t>
             </a:fld>
             <a:endParaRPr kumimoji="1" lang="ja-JP" altLang="en-US"/>
           </a:p>
@@ -1408,7 +1410,7 @@
           <a:p>
             <a:fld id="{2C5526FF-BF3D-EE43-BDDC-9A52BF65E849}" type="datetimeFigureOut">
               <a:rPr kumimoji="1" lang="ja-JP" altLang="en-US" smtClean="0"/>
-              <a:t>2018/5/17</a:t>
+              <a:t>2018/5/23</a:t>
             </a:fld>
             <a:endParaRPr kumimoji="1" lang="ja-JP" altLang="en-US"/>
           </a:p>
@@ -1836,7 +1838,7 @@
           <a:p>
             <a:fld id="{2C5526FF-BF3D-EE43-BDDC-9A52BF65E849}" type="datetimeFigureOut">
               <a:rPr kumimoji="1" lang="ja-JP" altLang="en-US" smtClean="0"/>
-              <a:t>2018/5/17</a:t>
+              <a:t>2018/5/23</a:t>
             </a:fld>
             <a:endParaRPr kumimoji="1" lang="ja-JP" altLang="en-US"/>
           </a:p>
@@ -1953,7 +1955,7 @@
           <a:p>
             <a:fld id="{2C5526FF-BF3D-EE43-BDDC-9A52BF65E849}" type="datetimeFigureOut">
               <a:rPr kumimoji="1" lang="ja-JP" altLang="en-US" smtClean="0"/>
-              <a:t>2018/5/17</a:t>
+              <a:t>2018/5/23</a:t>
             </a:fld>
             <a:endParaRPr kumimoji="1" lang="ja-JP" altLang="en-US"/>
           </a:p>
@@ -2048,7 +2050,7 @@
           <a:p>
             <a:fld id="{2C5526FF-BF3D-EE43-BDDC-9A52BF65E849}" type="datetimeFigureOut">
               <a:rPr kumimoji="1" lang="ja-JP" altLang="en-US" smtClean="0"/>
-              <a:t>2018/5/17</a:t>
+              <a:t>2018/5/23</a:t>
             </a:fld>
             <a:endParaRPr kumimoji="1" lang="ja-JP" altLang="en-US"/>
           </a:p>
@@ -2355,7 +2357,7 @@
           <a:p>
             <a:fld id="{2C5526FF-BF3D-EE43-BDDC-9A52BF65E849}" type="datetimeFigureOut">
               <a:rPr kumimoji="1" lang="ja-JP" altLang="en-US" smtClean="0"/>
-              <a:t>2018/5/17</a:t>
+              <a:t>2018/5/23</a:t>
             </a:fld>
             <a:endParaRPr kumimoji="1" lang="ja-JP" altLang="en-US"/>
           </a:p>
@@ -2607,7 +2609,7 @@
           <a:p>
             <a:fld id="{2C5526FF-BF3D-EE43-BDDC-9A52BF65E849}" type="datetimeFigureOut">
               <a:rPr kumimoji="1" lang="ja-JP" altLang="en-US" smtClean="0"/>
-              <a:t>2018/5/17</a:t>
+              <a:t>2018/5/23</a:t>
             </a:fld>
             <a:endParaRPr kumimoji="1" lang="ja-JP" altLang="en-US"/>
           </a:p>
@@ -2850,7 +2852,7 @@
           <a:p>
             <a:fld id="{2C5526FF-BF3D-EE43-BDDC-9A52BF65E849}" type="datetimeFigureOut">
               <a:rPr kumimoji="1" lang="ja-JP" altLang="en-US" smtClean="0"/>
-              <a:t>2018/5/17</a:t>
+              <a:t>2018/5/23</a:t>
             </a:fld>
             <a:endParaRPr kumimoji="1" lang="ja-JP" altLang="en-US"/>
           </a:p>
@@ -3303,6 +3305,626 @@
 </p:sld>
 </file>
 
+<file path=ppt/slides/slide10.xml><?xml version="1.0" encoding="utf-8"?>
+<p:sld xmlns:a="http://schemas.openxmlformats.org/drawingml/2006/main" xmlns:r="http://schemas.openxmlformats.org/officeDocument/2006/relationships" xmlns:p="http://schemas.openxmlformats.org/presentationml/2006/main">
+  <p:cSld>
+    <p:spTree>
+      <p:nvGrpSpPr>
+        <p:cNvPr id="1" name=""/>
+        <p:cNvGrpSpPr/>
+        <p:nvPr/>
+      </p:nvGrpSpPr>
+      <p:grpSpPr>
+        <a:xfrm>
+          <a:off x="0" y="0"/>
+          <a:ext cx="0" cy="0"/>
+          <a:chOff x="0" y="0"/>
+          <a:chExt cx="0" cy="0"/>
+        </a:xfrm>
+      </p:grpSpPr>
+      <p:sp>
+        <p:nvSpPr>
+          <p:cNvPr id="6" name="テキスト ボックス 5"/>
+          <p:cNvSpPr txBox="1"/>
+          <p:nvPr/>
+        </p:nvSpPr>
+        <p:spPr>
+          <a:xfrm>
+            <a:off x="1868557" y="2130950"/>
+            <a:ext cx="2813591" cy="369332"/>
+          </a:xfrm>
+          <a:prstGeom prst="rect">
+            <a:avLst/>
+          </a:prstGeom>
+          <a:noFill/>
+        </p:spPr>
+        <p:txBody>
+          <a:bodyPr wrap="none" rtlCol="0">
+            <a:spAutoFit/>
+          </a:bodyPr>
+          <a:lstStyle/>
+          <a:p>
+            <a:r>
+              <a:rPr kumimoji="1" lang="en-US" altLang="ja-JP" dirty="0"/>
+              <a:t>①apt-get</a:t>
+            </a:r>
+            <a:r>
+              <a:rPr kumimoji="1" lang="ja-JP" altLang="en-US"/>
+              <a:t>の</a:t>
+            </a:r>
+            <a:r>
+              <a:rPr kumimoji="1" lang="ja-JP" altLang="en-US" dirty="0"/>
+              <a:t>インストール</a:t>
+            </a:r>
+          </a:p>
+        </p:txBody>
+      </p:sp>
+      <p:sp>
+        <p:nvSpPr>
+          <p:cNvPr id="7" name="テキスト ボックス 6"/>
+          <p:cNvSpPr txBox="1"/>
+          <p:nvPr/>
+        </p:nvSpPr>
+        <p:spPr>
+          <a:xfrm>
+            <a:off x="1872086" y="2919885"/>
+            <a:ext cx="3504486" cy="369332"/>
+          </a:xfrm>
+          <a:prstGeom prst="rect">
+            <a:avLst/>
+          </a:prstGeom>
+          <a:noFill/>
+        </p:spPr>
+        <p:txBody>
+          <a:bodyPr wrap="none" rtlCol="0">
+            <a:spAutoFit/>
+          </a:bodyPr>
+          <a:lstStyle/>
+          <a:p>
+            <a:r>
+              <a:rPr lang="en-US" altLang="ja-JP" dirty="0"/>
+              <a:t>②</a:t>
+            </a:r>
+            <a:r>
+              <a:rPr lang="en-US" altLang="ja-JP" dirty="0" err="1"/>
+              <a:t>MeCab</a:t>
+            </a:r>
+            <a:r>
+              <a:rPr lang="en-US" altLang="ja-JP" dirty="0"/>
+              <a:t>(64bit)</a:t>
+            </a:r>
+            <a:r>
+              <a:rPr lang="ja-JP" altLang="en-US"/>
+              <a:t>のインストール</a:t>
+            </a:r>
+          </a:p>
+        </p:txBody>
+      </p:sp>
+      <p:sp>
+        <p:nvSpPr>
+          <p:cNvPr id="8" name="テキスト ボックス 7"/>
+          <p:cNvSpPr txBox="1"/>
+          <p:nvPr/>
+        </p:nvSpPr>
+        <p:spPr>
+          <a:xfrm>
+            <a:off x="1868557" y="3708820"/>
+            <a:ext cx="3698448" cy="369332"/>
+          </a:xfrm>
+          <a:prstGeom prst="rect">
+            <a:avLst/>
+          </a:prstGeom>
+          <a:noFill/>
+        </p:spPr>
+        <p:txBody>
+          <a:bodyPr wrap="none" rtlCol="0">
+            <a:spAutoFit/>
+          </a:bodyPr>
+          <a:lstStyle/>
+          <a:p>
+            <a:r>
+              <a:rPr lang="ja-JP" altLang="en-US"/>
+              <a:t>③</a:t>
+            </a:r>
+            <a:r>
+              <a:rPr lang="en-US" altLang="ja-JP" dirty="0"/>
+              <a:t>mecab-python3</a:t>
+            </a:r>
+            <a:r>
+              <a:rPr lang="ja-JP" altLang="en-US"/>
+              <a:t>をインストール</a:t>
+            </a:r>
+          </a:p>
+        </p:txBody>
+      </p:sp>
+      <p:sp>
+        <p:nvSpPr>
+          <p:cNvPr id="9" name="テキスト ボックス 8"/>
+          <p:cNvSpPr txBox="1"/>
+          <p:nvPr/>
+        </p:nvSpPr>
+        <p:spPr>
+          <a:xfrm>
+            <a:off x="1868557" y="4497755"/>
+            <a:ext cx="1338828" cy="369332"/>
+          </a:xfrm>
+          <a:prstGeom prst="rect">
+            <a:avLst/>
+          </a:prstGeom>
+          <a:noFill/>
+        </p:spPr>
+        <p:txBody>
+          <a:bodyPr wrap="none" rtlCol="0">
+            <a:spAutoFit/>
+          </a:bodyPr>
+          <a:lstStyle/>
+          <a:p>
+            <a:r>
+              <a:rPr lang="en-US" altLang="ja-JP" dirty="0"/>
+              <a:t>④</a:t>
+            </a:r>
+            <a:r>
+              <a:rPr kumimoji="1" lang="ja-JP" altLang="en-US" dirty="0"/>
+              <a:t>動作確認</a:t>
+            </a:r>
+          </a:p>
+        </p:txBody>
+      </p:sp>
+      <p:sp>
+        <p:nvSpPr>
+          <p:cNvPr id="10" name="テキスト ボックス 9">
+            <a:extLst>
+              <a:ext uri="{FF2B5EF4-FFF2-40B4-BE49-F238E27FC236}">
+                <a16:creationId xmlns:a16="http://schemas.microsoft.com/office/drawing/2014/main" id="{ADED3C02-26EE-4641-8961-2DD36867AD31}"/>
+              </a:ext>
+            </a:extLst>
+          </p:cNvPr>
+          <p:cNvSpPr txBox="1"/>
+          <p:nvPr/>
+        </p:nvSpPr>
+        <p:spPr>
+          <a:xfrm>
+            <a:off x="901148" y="722244"/>
+            <a:ext cx="1850186" cy="646331"/>
+          </a:xfrm>
+          <a:prstGeom prst="rect">
+            <a:avLst/>
+          </a:prstGeom>
+          <a:noFill/>
+        </p:spPr>
+        <p:txBody>
+          <a:bodyPr wrap="none" rtlCol="0">
+            <a:spAutoFit/>
+          </a:bodyPr>
+          <a:lstStyle/>
+          <a:p>
+            <a:r>
+              <a:rPr lang="en-US" altLang="ja-JP" sz="3600" dirty="0"/>
+              <a:t>3. Linux</a:t>
+            </a:r>
+            <a:endParaRPr lang="ja-JP" altLang="en-US" sz="3600" dirty="0"/>
+          </a:p>
+        </p:txBody>
+      </p:sp>
+    </p:spTree>
+    <p:extLst>
+      <p:ext uri="{BB962C8B-B14F-4D97-AF65-F5344CB8AC3E}">
+        <p14:creationId xmlns:p14="http://schemas.microsoft.com/office/powerpoint/2010/main" val="4014869769"/>
+      </p:ext>
+    </p:extLst>
+  </p:cSld>
+  <p:clrMapOvr>
+    <a:masterClrMapping/>
+  </p:clrMapOvr>
+</p:sld>
+</file>
+
+<file path=ppt/slides/slide11.xml><?xml version="1.0" encoding="utf-8"?>
+<p:sld xmlns:a="http://schemas.openxmlformats.org/drawingml/2006/main" xmlns:r="http://schemas.openxmlformats.org/officeDocument/2006/relationships" xmlns:p="http://schemas.openxmlformats.org/presentationml/2006/main">
+  <p:cSld>
+    <p:spTree>
+      <p:nvGrpSpPr>
+        <p:cNvPr id="1" name=""/>
+        <p:cNvGrpSpPr/>
+        <p:nvPr/>
+      </p:nvGrpSpPr>
+      <p:grpSpPr>
+        <a:xfrm>
+          <a:off x="0" y="0"/>
+          <a:ext cx="0" cy="0"/>
+          <a:chOff x="0" y="0"/>
+          <a:chExt cx="0" cy="0"/>
+        </a:xfrm>
+      </p:grpSpPr>
+      <p:sp>
+        <p:nvSpPr>
+          <p:cNvPr id="6" name="テキスト ボックス 5"/>
+          <p:cNvSpPr txBox="1"/>
+          <p:nvPr/>
+        </p:nvSpPr>
+        <p:spPr>
+          <a:xfrm>
+            <a:off x="963883" y="1732115"/>
+            <a:ext cx="8837676" cy="369332"/>
+          </a:xfrm>
+          <a:prstGeom prst="rect">
+            <a:avLst/>
+          </a:prstGeom>
+          <a:noFill/>
+        </p:spPr>
+        <p:txBody>
+          <a:bodyPr wrap="none" rtlCol="0">
+            <a:spAutoFit/>
+          </a:bodyPr>
+          <a:lstStyle/>
+          <a:p>
+            <a:r>
+              <a:rPr kumimoji="1" lang="ja-JP" altLang="en-US"/>
+              <a:t>学内ネットワークを通して作動するプログラムは</a:t>
+            </a:r>
+            <a:r>
+              <a:rPr kumimoji="1" lang="en-US" altLang="ja-JP" dirty="0"/>
+              <a:t>proxy</a:t>
+            </a:r>
+            <a:r>
+              <a:rPr kumimoji="1" lang="ja-JP" altLang="en-US"/>
+              <a:t>を設定しないと作動しない</a:t>
+            </a:r>
+            <a:endParaRPr kumimoji="1" lang="ja-JP" altLang="en-US" dirty="0"/>
+          </a:p>
+        </p:txBody>
+      </p:sp>
+      <p:sp>
+        <p:nvSpPr>
+          <p:cNvPr id="7" name="テキスト ボックス 6"/>
+          <p:cNvSpPr txBox="1"/>
+          <p:nvPr/>
+        </p:nvSpPr>
+        <p:spPr>
+          <a:xfrm>
+            <a:off x="1444068" y="2521050"/>
+            <a:ext cx="1111202" cy="369332"/>
+          </a:xfrm>
+          <a:prstGeom prst="rect">
+            <a:avLst/>
+          </a:prstGeom>
+          <a:noFill/>
+        </p:spPr>
+        <p:txBody>
+          <a:bodyPr wrap="none" rtlCol="0">
+            <a:spAutoFit/>
+          </a:bodyPr>
+          <a:lstStyle/>
+          <a:p>
+            <a:r>
+              <a:rPr lang="en-US" altLang="ja-JP" dirty="0"/>
+              <a:t>ex. pip</a:t>
+            </a:r>
+            <a:r>
+              <a:rPr lang="ja-JP" altLang="en-US"/>
+              <a:t>等</a:t>
+            </a:r>
+          </a:p>
+        </p:txBody>
+      </p:sp>
+      <p:sp>
+        <p:nvSpPr>
+          <p:cNvPr id="8" name="テキスト ボックス 7"/>
+          <p:cNvSpPr txBox="1"/>
+          <p:nvPr/>
+        </p:nvSpPr>
+        <p:spPr>
+          <a:xfrm>
+            <a:off x="963883" y="4292480"/>
+            <a:ext cx="8505855" cy="923330"/>
+          </a:xfrm>
+          <a:prstGeom prst="rect">
+            <a:avLst/>
+          </a:prstGeom>
+          <a:noFill/>
+        </p:spPr>
+        <p:txBody>
+          <a:bodyPr wrap="none" rtlCol="0">
+            <a:spAutoFit/>
+          </a:bodyPr>
+          <a:lstStyle/>
+          <a:p>
+            <a:r>
+              <a:rPr lang="en-US" altLang="ja-JP" dirty="0"/>
+              <a:t>set HTTP_PROXY=http://&lt;</a:t>
+            </a:r>
+            <a:r>
+              <a:rPr lang="en-US" altLang="ja-JP" dirty="0" err="1"/>
+              <a:t>userID</a:t>
+            </a:r>
+            <a:r>
+              <a:rPr lang="en-US" altLang="ja-JP" dirty="0"/>
+              <a:t>&gt;:&lt;password&gt;@proxy.doshisha.ac.jp:8080</a:t>
+            </a:r>
+          </a:p>
+          <a:p>
+            <a:endParaRPr lang="en-US" altLang="ja-JP" dirty="0"/>
+          </a:p>
+          <a:p>
+            <a:r>
+              <a:rPr lang="en-US" altLang="ja-JP" dirty="0"/>
+              <a:t>set HTTPS_PROXY=http://&lt;</a:t>
+            </a:r>
+            <a:r>
+              <a:rPr lang="en-US" altLang="ja-JP" dirty="0" err="1"/>
+              <a:t>userID</a:t>
+            </a:r>
+            <a:r>
+              <a:rPr lang="en-US" altLang="ja-JP" dirty="0"/>
+              <a:t>&gt;:&lt;password&gt;@proxy.doshisha.ac.jp:8080</a:t>
+            </a:r>
+          </a:p>
+        </p:txBody>
+      </p:sp>
+      <p:sp>
+        <p:nvSpPr>
+          <p:cNvPr id="10" name="テキスト ボックス 9">
+            <a:extLst>
+              <a:ext uri="{FF2B5EF4-FFF2-40B4-BE49-F238E27FC236}">
+                <a16:creationId xmlns:a16="http://schemas.microsoft.com/office/drawing/2014/main" id="{ADED3C02-26EE-4641-8961-2DD36867AD31}"/>
+              </a:ext>
+            </a:extLst>
+          </p:cNvPr>
+          <p:cNvSpPr txBox="1"/>
+          <p:nvPr/>
+        </p:nvSpPr>
+        <p:spPr>
+          <a:xfrm>
+            <a:off x="901148" y="722244"/>
+            <a:ext cx="3581430" cy="646331"/>
+          </a:xfrm>
+          <a:prstGeom prst="rect">
+            <a:avLst/>
+          </a:prstGeom>
+          <a:noFill/>
+        </p:spPr>
+        <p:txBody>
+          <a:bodyPr wrap="none" rtlCol="0">
+            <a:spAutoFit/>
+          </a:bodyPr>
+          <a:lstStyle/>
+          <a:p>
+            <a:r>
+              <a:rPr lang="en-US" altLang="ja-JP" sz="3600" dirty="0"/>
+              <a:t>4. </a:t>
+            </a:r>
+            <a:r>
+              <a:rPr lang="ja-JP" altLang="en-US" sz="3600"/>
+              <a:t>おまけ</a:t>
+            </a:r>
+            <a:r>
+              <a:rPr lang="en-US" altLang="ja-JP" sz="3600" dirty="0"/>
+              <a:t>(proxy)</a:t>
+            </a:r>
+            <a:endParaRPr lang="ja-JP" altLang="en-US" sz="3600" dirty="0"/>
+          </a:p>
+        </p:txBody>
+      </p:sp>
+      <p:sp>
+        <p:nvSpPr>
+          <p:cNvPr id="11" name="テキスト ボックス 10">
+            <a:extLst>
+              <a:ext uri="{FF2B5EF4-FFF2-40B4-BE49-F238E27FC236}">
+                <a16:creationId xmlns:a16="http://schemas.microsoft.com/office/drawing/2014/main" id="{B0BD2310-D6AB-3E43-9CB5-0F23E0CD430A}"/>
+              </a:ext>
+            </a:extLst>
+          </p:cNvPr>
+          <p:cNvSpPr txBox="1"/>
+          <p:nvPr/>
+        </p:nvSpPr>
+        <p:spPr>
+          <a:xfrm>
+            <a:off x="963883" y="5635413"/>
+            <a:ext cx="8767144" cy="923330"/>
+          </a:xfrm>
+          <a:prstGeom prst="rect">
+            <a:avLst/>
+          </a:prstGeom>
+          <a:noFill/>
+        </p:spPr>
+        <p:txBody>
+          <a:bodyPr wrap="none" rtlCol="0">
+            <a:spAutoFit/>
+          </a:bodyPr>
+          <a:lstStyle/>
+          <a:p>
+            <a:r>
+              <a:rPr lang="en-US" altLang="ja-JP" dirty="0">
+                <a:solidFill>
+                  <a:srgbClr val="FF0000"/>
+                </a:solidFill>
+              </a:rPr>
+              <a:t>export HTTP_PROXY=http://&lt;</a:t>
+            </a:r>
+            <a:r>
+              <a:rPr lang="en-US" altLang="ja-JP" dirty="0" err="1">
+                <a:solidFill>
+                  <a:srgbClr val="FF0000"/>
+                </a:solidFill>
+              </a:rPr>
+              <a:t>userID</a:t>
+            </a:r>
+            <a:r>
+              <a:rPr lang="en-US" altLang="ja-JP" dirty="0">
+                <a:solidFill>
+                  <a:srgbClr val="FF0000"/>
+                </a:solidFill>
+              </a:rPr>
+              <a:t>&gt;:&lt;password&gt;@proxy.doshisha.ac.jp:8080</a:t>
+            </a:r>
+          </a:p>
+          <a:p>
+            <a:endParaRPr lang="en-US" altLang="ja-JP" dirty="0">
+              <a:solidFill>
+                <a:srgbClr val="FF0000"/>
+              </a:solidFill>
+            </a:endParaRPr>
+          </a:p>
+          <a:p>
+            <a:r>
+              <a:rPr lang="en-US" altLang="ja-JP" dirty="0">
+                <a:solidFill>
+                  <a:srgbClr val="FF0000"/>
+                </a:solidFill>
+              </a:rPr>
+              <a:t>export HTTPS_PROXY=http://&lt;</a:t>
+            </a:r>
+            <a:r>
+              <a:rPr lang="en-US" altLang="ja-JP" dirty="0" err="1">
+                <a:solidFill>
+                  <a:srgbClr val="FF0000"/>
+                </a:solidFill>
+              </a:rPr>
+              <a:t>userID</a:t>
+            </a:r>
+            <a:r>
+              <a:rPr lang="en-US" altLang="ja-JP" dirty="0">
+                <a:solidFill>
+                  <a:srgbClr val="FF0000"/>
+                </a:solidFill>
+              </a:rPr>
+              <a:t>&gt;:&lt;password&gt;@proxy.doshisha.ac.jp:8080</a:t>
+            </a:r>
+          </a:p>
+        </p:txBody>
+      </p:sp>
+      <p:sp>
+        <p:nvSpPr>
+          <p:cNvPr id="2" name="テキスト ボックス 1">
+            <a:extLst>
+              <a:ext uri="{FF2B5EF4-FFF2-40B4-BE49-F238E27FC236}">
+                <a16:creationId xmlns:a16="http://schemas.microsoft.com/office/drawing/2014/main" id="{F5124E9E-B9E8-434E-A0A5-56CAC5781C28}"/>
+              </a:ext>
+            </a:extLst>
+          </p:cNvPr>
+          <p:cNvSpPr txBox="1"/>
+          <p:nvPr/>
+        </p:nvSpPr>
+        <p:spPr>
+          <a:xfrm>
+            <a:off x="969382" y="3012297"/>
+            <a:ext cx="1107996" cy="369332"/>
+          </a:xfrm>
+          <a:prstGeom prst="rect">
+            <a:avLst/>
+          </a:prstGeom>
+          <a:noFill/>
+        </p:spPr>
+        <p:txBody>
+          <a:bodyPr wrap="none" rtlCol="0">
+            <a:spAutoFit/>
+          </a:bodyPr>
+          <a:lstStyle/>
+          <a:p>
+            <a:r>
+              <a:rPr kumimoji="1" lang="ja-JP" altLang="en-US"/>
+              <a:t>対処方法</a:t>
+            </a:r>
+          </a:p>
+        </p:txBody>
+      </p:sp>
+      <p:sp>
+        <p:nvSpPr>
+          <p:cNvPr id="3" name="テキスト ボックス 2">
+            <a:extLst>
+              <a:ext uri="{FF2B5EF4-FFF2-40B4-BE49-F238E27FC236}">
+                <a16:creationId xmlns:a16="http://schemas.microsoft.com/office/drawing/2014/main" id="{D740FED1-33EE-B141-9C23-D4FC51FF826A}"/>
+              </a:ext>
+            </a:extLst>
+          </p:cNvPr>
+          <p:cNvSpPr txBox="1"/>
+          <p:nvPr/>
+        </p:nvSpPr>
+        <p:spPr>
+          <a:xfrm>
+            <a:off x="1517515" y="3599234"/>
+            <a:ext cx="9313768" cy="369332"/>
+          </a:xfrm>
+          <a:prstGeom prst="rect">
+            <a:avLst/>
+          </a:prstGeom>
+          <a:noFill/>
+        </p:spPr>
+        <p:txBody>
+          <a:bodyPr wrap="none" rtlCol="0">
+            <a:spAutoFit/>
+          </a:bodyPr>
+          <a:lstStyle/>
+          <a:p>
+            <a:r>
+              <a:rPr kumimoji="1" lang="ja-JP" altLang="en-US"/>
+              <a:t>下記コマンドをコマンドプロンプト</a:t>
+            </a:r>
+            <a:r>
+              <a:rPr kumimoji="1" lang="en-US" altLang="ja-JP" dirty="0"/>
+              <a:t>(</a:t>
+            </a:r>
+            <a:r>
+              <a:rPr kumimoji="1" lang="ja-JP" altLang="en-US"/>
+              <a:t>ターミナル</a:t>
+            </a:r>
+            <a:r>
+              <a:rPr kumimoji="1" lang="en-US" altLang="ja-JP" dirty="0"/>
+              <a:t>)</a:t>
+            </a:r>
+            <a:r>
+              <a:rPr kumimoji="1" lang="ja-JP" altLang="en-US"/>
+              <a:t>にて実行しておく</a:t>
+            </a:r>
+            <a:r>
+              <a:rPr kumimoji="1" lang="en-US" altLang="ja-JP" dirty="0"/>
+              <a:t>(</a:t>
+            </a:r>
+            <a:r>
+              <a:rPr kumimoji="1" lang="ja-JP" altLang="en-US">
+                <a:solidFill>
+                  <a:srgbClr val="FF0000"/>
+                </a:solidFill>
+              </a:rPr>
+              <a:t>赤字</a:t>
+            </a:r>
+            <a:r>
+              <a:rPr lang="ja-JP" altLang="en-US">
+                <a:solidFill>
+                  <a:srgbClr val="FF0000"/>
+                </a:solidFill>
+              </a:rPr>
+              <a:t>は</a:t>
+            </a:r>
+            <a:r>
+              <a:rPr lang="en-US" altLang="ja-JP" dirty="0">
+                <a:solidFill>
+                  <a:srgbClr val="FF0000"/>
+                </a:solidFill>
+              </a:rPr>
+              <a:t>Mac or Linux</a:t>
+            </a:r>
+            <a:r>
+              <a:rPr kumimoji="1" lang="en-US" altLang="ja-JP" dirty="0"/>
+              <a:t>)</a:t>
+            </a:r>
+            <a:endParaRPr kumimoji="1" lang="ja-JP" altLang="en-US"/>
+          </a:p>
+        </p:txBody>
+      </p:sp>
+    </p:spTree>
+    <p:extLst>
+      <p:ext uri="{BB962C8B-B14F-4D97-AF65-F5344CB8AC3E}">
+        <p14:creationId xmlns:p14="http://schemas.microsoft.com/office/powerpoint/2010/main" val="3485284041"/>
+      </p:ext>
+    </p:extLst>
+  </p:cSld>
+  <p:clrMapOvr>
+    <a:masterClrMapping/>
+  </p:clrMapOvr>
+</p:sld>
+</file>
+
 <file path=ppt/slides/slide2.xml><?xml version="1.0" encoding="utf-8"?>
 <p:sld xmlns:a="http://schemas.openxmlformats.org/drawingml/2006/main" xmlns:r="http://schemas.openxmlformats.org/officeDocument/2006/relationships" xmlns:p="http://schemas.openxmlformats.org/presentationml/2006/main">
   <p:cSld>
@@ -3434,6 +4056,54 @@
             <a:r>
               <a:rPr kumimoji="1" lang="en-US" altLang="ja-JP" sz="3600" dirty="0"/>
               <a:t>3. Linux</a:t>
+            </a:r>
+            <a:endParaRPr kumimoji="1" lang="ja-JP" altLang="en-US" sz="3600" dirty="0"/>
+          </a:p>
+        </p:txBody>
+      </p:sp>
+      <p:sp>
+        <p:nvSpPr>
+          <p:cNvPr id="7" name="テキスト ボックス 6">
+            <a:extLst>
+              <a:ext uri="{FF2B5EF4-FFF2-40B4-BE49-F238E27FC236}">
+                <a16:creationId xmlns:a16="http://schemas.microsoft.com/office/drawing/2014/main" id="{728D5EEA-643C-9A43-AEE4-AFD3FF6831FE}"/>
+              </a:ext>
+            </a:extLst>
+          </p:cNvPr>
+          <p:cNvSpPr txBox="1"/>
+          <p:nvPr/>
+        </p:nvSpPr>
+        <p:spPr>
+          <a:xfrm>
+            <a:off x="2009144" y="4799937"/>
+            <a:ext cx="3581430" cy="646331"/>
+          </a:xfrm>
+          <a:prstGeom prst="rect">
+            <a:avLst/>
+          </a:prstGeom>
+          <a:noFill/>
+        </p:spPr>
+        <p:txBody>
+          <a:bodyPr wrap="none" rtlCol="0">
+            <a:spAutoFit/>
+          </a:bodyPr>
+          <a:lstStyle/>
+          <a:p>
+            <a:r>
+              <a:rPr lang="en-US" altLang="ja-JP" sz="3600" dirty="0"/>
+              <a:t>4</a:t>
+            </a:r>
+            <a:r>
+              <a:rPr kumimoji="1" lang="en-US" altLang="ja-JP" sz="3600" dirty="0"/>
+              <a:t>. </a:t>
+            </a:r>
+            <a:r>
+              <a:rPr lang="ja-JP" altLang="en-US" sz="3600"/>
+              <a:t>おまけ</a:t>
+            </a:r>
+            <a:r>
+              <a:rPr lang="en-US" altLang="ja-JP" sz="3600" dirty="0"/>
+              <a:t>(proxy)</a:t>
             </a:r>
             <a:endParaRPr kumimoji="1" lang="ja-JP" altLang="en-US" sz="3600" dirty="0"/>
           </a:p>
@@ -3852,36 +4522,36 @@
           </a:p>
         </p:txBody>
       </p:sp>
-      <p:sp>
-        <p:nvSpPr>
-          <p:cNvPr id="10" name="テキスト ボックス 9"/>
-          <p:cNvSpPr txBox="1"/>
+      <p:pic>
+        <p:nvPicPr>
+          <p:cNvPr id="7" name="図 6">
+            <a:extLst>
+              <a:ext uri="{FF2B5EF4-FFF2-40B4-BE49-F238E27FC236}">
+                <a16:creationId xmlns:a16="http://schemas.microsoft.com/office/drawing/2014/main" id="{D9820706-D5EF-D148-A998-FB10396AFD1B}"/>
+              </a:ext>
+            </a:extLst>
+          </p:cNvPr>
+          <p:cNvPicPr>
+            <a:picLocks noChangeAspect="1"/>
+          </p:cNvPicPr>
           <p:nvPr/>
-        </p:nvSpPr>
-        <p:spPr>
-          <a:xfrm>
-            <a:off x="1518698" y="4397072"/>
-            <a:ext cx="1569660" cy="369332"/>
-          </a:xfrm>
-          <a:prstGeom prst="rect">
-            <a:avLst/>
-          </a:prstGeom>
-          <a:noFill/>
-        </p:spPr>
-        <p:txBody>
-          <a:bodyPr wrap="none" rtlCol="0">
-            <a:spAutoFit/>
-          </a:bodyPr>
-          <a:lstStyle/>
-          <a:p>
-            <a:r>
-              <a:rPr lang="ja-JP" altLang="en-US"/>
-              <a:t>写真貼り付け</a:t>
-            </a:r>
-            <a:endParaRPr kumimoji="1" lang="ja-JP" altLang="en-US" dirty="0"/>
-          </a:p>
-        </p:txBody>
-      </p:sp>
+        </p:nvPicPr>
+        <p:blipFill>
+          <a:blip r:embed="rId2"/>
+          <a:stretch>
+            <a:fillRect/>
+          </a:stretch>
+        </p:blipFill>
+        <p:spPr>
+          <a:xfrm>
+            <a:off x="6202065" y="3307404"/>
+            <a:ext cx="4380875" cy="3414002"/>
+          </a:xfrm>
+          <a:prstGeom prst="rect">
+            <a:avLst/>
+          </a:prstGeom>
+        </p:spPr>
+      </p:pic>
     </p:spTree>
     <p:extLst>
       <p:ext uri="{BB962C8B-B14F-4D97-AF65-F5344CB8AC3E}">
@@ -3991,8 +4661,8 @@
         </p:nvSpPr>
         <p:spPr>
           <a:xfrm>
-            <a:off x="1518699" y="2520564"/>
-            <a:ext cx="1569660" cy="369332"/>
+            <a:off x="1499244" y="2029942"/>
+            <a:ext cx="3368230" cy="369332"/>
           </a:xfrm>
           <a:prstGeom prst="rect">
             <a:avLst/>
@@ -4006,8 +4676,248 @@
           <a:lstStyle/>
           <a:p>
             <a:r>
-              <a:rPr kumimoji="1" lang="ja-JP" altLang="en-US" dirty="0"/>
-              <a:t>写真貼り付け</a:t>
+              <a:rPr lang="en-US" altLang="ja-JP" dirty="0">
+                <a:solidFill>
+                  <a:srgbClr val="FF0000"/>
+                </a:solidFill>
+              </a:rPr>
+              <a:t>C:\Program Files\</a:t>
+            </a:r>
+            <a:r>
+              <a:rPr lang="en-US" altLang="ja-JP" dirty="0" err="1">
+                <a:solidFill>
+                  <a:srgbClr val="FF0000"/>
+                </a:solidFill>
+              </a:rPr>
+              <a:t>MeCab</a:t>
+            </a:r>
+            <a:r>
+              <a:rPr lang="en-US" altLang="ja-JP" dirty="0">
+                <a:solidFill>
+                  <a:srgbClr val="FF0000"/>
+                </a:solidFill>
+              </a:rPr>
+              <a:t>\bin</a:t>
+            </a:r>
+          </a:p>
+        </p:txBody>
+      </p:sp>
+      <p:sp>
+        <p:nvSpPr>
+          <p:cNvPr id="4" name="テキスト ボックス 3">
+            <a:extLst>
+              <a:ext uri="{FF2B5EF4-FFF2-40B4-BE49-F238E27FC236}">
+                <a16:creationId xmlns:a16="http://schemas.microsoft.com/office/drawing/2014/main" id="{2A96480F-CCD7-4344-AAEA-7ADC6143E779}"/>
+              </a:ext>
+            </a:extLst>
+          </p:cNvPr>
+          <p:cNvSpPr txBox="1"/>
+          <p:nvPr/>
+        </p:nvSpPr>
+        <p:spPr>
+          <a:xfrm>
+            <a:off x="972766" y="2490275"/>
+            <a:ext cx="1810111" cy="369332"/>
+          </a:xfrm>
+          <a:prstGeom prst="rect">
+            <a:avLst/>
+          </a:prstGeom>
+          <a:noFill/>
+        </p:spPr>
+        <p:txBody>
+          <a:bodyPr wrap="none" rtlCol="0">
+            <a:spAutoFit/>
+          </a:bodyPr>
+          <a:lstStyle/>
+          <a:p>
+            <a:r>
+              <a:rPr kumimoji="1" lang="en-US" altLang="ja-JP" dirty="0"/>
+              <a:t>Windows 8</a:t>
+            </a:r>
+            <a:r>
+              <a:rPr kumimoji="1" lang="ja-JP" altLang="en-US"/>
+              <a:t>以下</a:t>
+            </a:r>
+          </a:p>
+        </p:txBody>
+      </p:sp>
+      <p:sp>
+        <p:nvSpPr>
+          <p:cNvPr id="7" name="テキスト ボックス 6">
+            <a:extLst>
+              <a:ext uri="{FF2B5EF4-FFF2-40B4-BE49-F238E27FC236}">
+                <a16:creationId xmlns:a16="http://schemas.microsoft.com/office/drawing/2014/main" id="{E10D0588-8425-6249-B293-8DA581967291}"/>
+              </a:ext>
+            </a:extLst>
+          </p:cNvPr>
+          <p:cNvSpPr txBox="1"/>
+          <p:nvPr/>
+        </p:nvSpPr>
+        <p:spPr>
+          <a:xfrm>
+            <a:off x="694208" y="3089582"/>
+            <a:ext cx="4108817" cy="369332"/>
+          </a:xfrm>
+          <a:prstGeom prst="rect">
+            <a:avLst/>
+          </a:prstGeom>
+          <a:noFill/>
+        </p:spPr>
+        <p:txBody>
+          <a:bodyPr wrap="none" rtlCol="0">
+            <a:spAutoFit/>
+          </a:bodyPr>
+          <a:lstStyle/>
+          <a:p>
+            <a:r>
+              <a:rPr lang="ja-JP" altLang="en-US"/>
+              <a:t>コントロールパネルで環境変数を検索</a:t>
+            </a:r>
+            <a:endParaRPr kumimoji="1" lang="ja-JP" altLang="en-US"/>
+          </a:p>
+        </p:txBody>
+      </p:sp>
+      <p:pic>
+        <p:nvPicPr>
+          <p:cNvPr id="11" name="図 10">
+            <a:extLst>
+              <a:ext uri="{FF2B5EF4-FFF2-40B4-BE49-F238E27FC236}">
+                <a16:creationId xmlns:a16="http://schemas.microsoft.com/office/drawing/2014/main" id="{F890D32A-EA29-D348-834A-9E7D37EF154F}"/>
+              </a:ext>
+            </a:extLst>
+          </p:cNvPr>
+          <p:cNvPicPr>
+            <a:picLocks noChangeAspect="1"/>
+          </p:cNvPicPr>
+          <p:nvPr/>
+        </p:nvPicPr>
+        <p:blipFill>
+          <a:blip r:embed="rId2"/>
+          <a:stretch>
+            <a:fillRect/>
+          </a:stretch>
+        </p:blipFill>
+        <p:spPr>
+          <a:xfrm>
+            <a:off x="351435" y="3997547"/>
+            <a:ext cx="3180561" cy="1838868"/>
+          </a:xfrm>
+          <a:prstGeom prst="rect">
+            <a:avLst/>
+          </a:prstGeom>
+        </p:spPr>
+      </p:pic>
+      <p:pic>
+        <p:nvPicPr>
+          <p:cNvPr id="13" name="図 12">
+            <a:extLst>
+              <a:ext uri="{FF2B5EF4-FFF2-40B4-BE49-F238E27FC236}">
+                <a16:creationId xmlns:a16="http://schemas.microsoft.com/office/drawing/2014/main" id="{63F9CE2D-BB89-B24F-A1E3-908DF0CC2D92}"/>
+              </a:ext>
+            </a:extLst>
+          </p:cNvPr>
+          <p:cNvPicPr>
+            <a:picLocks noChangeAspect="1"/>
+          </p:cNvPicPr>
+          <p:nvPr/>
+        </p:nvPicPr>
+        <p:blipFill>
+          <a:blip r:embed="rId3"/>
+          <a:stretch>
+            <a:fillRect/>
+          </a:stretch>
+        </p:blipFill>
+        <p:spPr>
+          <a:xfrm>
+            <a:off x="7849585" y="3754870"/>
+            <a:ext cx="2596612" cy="2830079"/>
+          </a:xfrm>
+          <a:prstGeom prst="rect">
+            <a:avLst/>
+          </a:prstGeom>
+        </p:spPr>
+      </p:pic>
+      <p:pic>
+        <p:nvPicPr>
+          <p:cNvPr id="15" name="図 14">
+            <a:extLst>
+              <a:ext uri="{FF2B5EF4-FFF2-40B4-BE49-F238E27FC236}">
+                <a16:creationId xmlns:a16="http://schemas.microsoft.com/office/drawing/2014/main" id="{C938BBA6-5CC9-184D-84B1-78DD0750C0D7}"/>
+              </a:ext>
+            </a:extLst>
+          </p:cNvPr>
+          <p:cNvPicPr>
+            <a:picLocks noChangeAspect="1"/>
+          </p:cNvPicPr>
+          <p:nvPr/>
+        </p:nvPicPr>
+        <p:blipFill>
+          <a:blip r:embed="rId4"/>
+          <a:stretch>
+            <a:fillRect/>
+          </a:stretch>
+        </p:blipFill>
+        <p:spPr>
+          <a:xfrm>
+            <a:off x="4236609" y="3754870"/>
+            <a:ext cx="2640846" cy="2853175"/>
+          </a:xfrm>
+          <a:prstGeom prst="rect">
+            <a:avLst/>
+          </a:prstGeom>
+        </p:spPr>
+      </p:pic>
+      <p:sp>
+        <p:nvSpPr>
+          <p:cNvPr id="16" name="テキスト ボックス 15">
+            <a:extLst>
+              <a:ext uri="{FF2B5EF4-FFF2-40B4-BE49-F238E27FC236}">
+                <a16:creationId xmlns:a16="http://schemas.microsoft.com/office/drawing/2014/main" id="{4898B8D7-203A-F942-9108-612E62030254}"/>
+              </a:ext>
+            </a:extLst>
+          </p:cNvPr>
+          <p:cNvSpPr txBox="1"/>
+          <p:nvPr/>
+        </p:nvSpPr>
+        <p:spPr>
+          <a:xfrm>
+            <a:off x="5554494" y="3180945"/>
+            <a:ext cx="3291286" cy="369332"/>
+          </a:xfrm>
+          <a:prstGeom prst="rect">
+            <a:avLst/>
+          </a:prstGeom>
+          <a:noFill/>
+        </p:spPr>
+        <p:txBody>
+          <a:bodyPr wrap="none" rtlCol="0">
+            <a:spAutoFit/>
+          </a:bodyPr>
+          <a:lstStyle/>
+          <a:p>
+            <a:r>
+              <a:rPr kumimoji="1" lang="ja-JP" altLang="en-US"/>
+              <a:t>環境変数</a:t>
+            </a:r>
+            <a:r>
+              <a:rPr kumimoji="1" lang="en-US" altLang="ja-JP" dirty="0"/>
+              <a:t>(PATH)</a:t>
+            </a:r>
+            <a:r>
+              <a:rPr kumimoji="1" lang="ja-JP" altLang="en-US"/>
+              <a:t>に</a:t>
+            </a:r>
+            <a:r>
+              <a:rPr kumimoji="1" lang="ja-JP" altLang="en-US">
+                <a:solidFill>
+                  <a:srgbClr val="FF0000"/>
+                </a:solidFill>
+              </a:rPr>
+              <a:t>上記</a:t>
+            </a:r>
+            <a:r>
+              <a:rPr kumimoji="1" lang="ja-JP" altLang="en-US"/>
+              <a:t>を追加</a:t>
             </a:r>
           </a:p>
         </p:txBody>
@@ -4081,7 +4991,7 @@
         <p:spPr>
           <a:xfrm>
             <a:off x="901148" y="1582310"/>
-            <a:ext cx="4605748" cy="369332"/>
+            <a:ext cx="2829621" cy="369332"/>
           </a:xfrm>
           <a:prstGeom prst="rect">
             <a:avLst/>
@@ -4096,19 +5006,19 @@
           <a:p>
             <a:r>
               <a:rPr lang="en-US" altLang="ja-JP" dirty="0"/>
-              <a:t>③</a:t>
-            </a:r>
-            <a:r>
-              <a:rPr lang="en-US" altLang="ja-JP" dirty="0" err="1"/>
-              <a:t>mecab</a:t>
+              <a:t>②</a:t>
+            </a:r>
+            <a:r>
+              <a:rPr lang="ja-JP" altLang="en-US" dirty="0"/>
+              <a:t>環境変数</a:t>
             </a:r>
             <a:r>
               <a:rPr lang="en-US" altLang="ja-JP" dirty="0"/>
-              <a:t>-python-windows</a:t>
+              <a:t>(PATH)</a:t>
             </a:r>
             <a:r>
               <a:rPr lang="ja-JP" altLang="en-US" dirty="0"/>
-              <a:t>をインストール</a:t>
+              <a:t>を通す</a:t>
             </a:r>
           </a:p>
         </p:txBody>
@@ -4121,8 +5031,8 @@
         </p:nvSpPr>
         <p:spPr>
           <a:xfrm>
-            <a:off x="1518699" y="2520564"/>
-            <a:ext cx="3865161" cy="369332"/>
+            <a:off x="1499244" y="2029942"/>
+            <a:ext cx="3368230" cy="369332"/>
           </a:xfrm>
           <a:prstGeom prst="rect">
             <a:avLst/>
@@ -4136,31 +5046,48 @@
           <a:lstStyle/>
           <a:p>
             <a:r>
-              <a:rPr lang="en-US" altLang="ja-JP" dirty="0"/>
-              <a:t>pip install </a:t>
-            </a:r>
-            <a:r>
-              <a:rPr lang="en-US" altLang="ja-JP" dirty="0" err="1"/>
-              <a:t>mecab</a:t>
-            </a:r>
-            <a:r>
-              <a:rPr lang="en-US" altLang="ja-JP" dirty="0"/>
-              <a:t>-python-windows</a:t>
-            </a:r>
-            <a:endParaRPr kumimoji="1" lang="ja-JP" altLang="en-US" dirty="0"/>
-          </a:p>
-        </p:txBody>
-      </p:sp>
-      <p:sp>
-        <p:nvSpPr>
-          <p:cNvPr id="5" name="テキスト ボックス 4"/>
+              <a:rPr lang="en-US" altLang="ja-JP" dirty="0">
+                <a:solidFill>
+                  <a:srgbClr val="FF0000"/>
+                </a:solidFill>
+              </a:rPr>
+              <a:t>C:\Program Files\</a:t>
+            </a:r>
+            <a:r>
+              <a:rPr lang="en-US" altLang="ja-JP" dirty="0" err="1">
+                <a:solidFill>
+                  <a:srgbClr val="FF0000"/>
+                </a:solidFill>
+              </a:rPr>
+              <a:t>MeCab</a:t>
+            </a:r>
+            <a:r>
+              <a:rPr lang="en-US" altLang="ja-JP" dirty="0">
+                <a:solidFill>
+                  <a:srgbClr val="FF0000"/>
+                </a:solidFill>
+              </a:rPr>
+              <a:t>\bin</a:t>
+            </a:r>
+          </a:p>
+        </p:txBody>
+      </p:sp>
+      <p:sp>
+        <p:nvSpPr>
+          <p:cNvPr id="4" name="テキスト ボックス 3">
+            <a:extLst>
+              <a:ext uri="{FF2B5EF4-FFF2-40B4-BE49-F238E27FC236}">
+                <a16:creationId xmlns:a16="http://schemas.microsoft.com/office/drawing/2014/main" id="{2A96480F-CCD7-4344-AAEA-7ADC6143E779}"/>
+              </a:ext>
+            </a:extLst>
+          </p:cNvPr>
           <p:cNvSpPr txBox="1"/>
           <p:nvPr/>
         </p:nvSpPr>
         <p:spPr>
           <a:xfrm>
-            <a:off x="1518699" y="3458818"/>
-            <a:ext cx="1569660" cy="369332"/>
+            <a:off x="972766" y="2490275"/>
+            <a:ext cx="1476686" cy="369332"/>
           </a:xfrm>
           <a:prstGeom prst="rect">
             <a:avLst/>
@@ -4174,16 +5101,198 @@
           <a:lstStyle/>
           <a:p>
             <a:r>
-              <a:rPr kumimoji="1" lang="ja-JP" altLang="en-US" dirty="0"/>
-              <a:t>写真貼り付け</a:t>
-            </a:r>
-          </a:p>
-        </p:txBody>
-      </p:sp>
+              <a:rPr kumimoji="1" lang="en-US" altLang="ja-JP" dirty="0"/>
+              <a:t>Windows 10</a:t>
+            </a:r>
+            <a:endParaRPr kumimoji="1" lang="ja-JP" altLang="en-US"/>
+          </a:p>
+        </p:txBody>
+      </p:sp>
+      <p:sp>
+        <p:nvSpPr>
+          <p:cNvPr id="7" name="テキスト ボックス 6">
+            <a:extLst>
+              <a:ext uri="{FF2B5EF4-FFF2-40B4-BE49-F238E27FC236}">
+                <a16:creationId xmlns:a16="http://schemas.microsoft.com/office/drawing/2014/main" id="{E10D0588-8425-6249-B293-8DA581967291}"/>
+              </a:ext>
+            </a:extLst>
+          </p:cNvPr>
+          <p:cNvSpPr txBox="1"/>
+          <p:nvPr/>
+        </p:nvSpPr>
+        <p:spPr>
+          <a:xfrm>
+            <a:off x="694208" y="3089582"/>
+            <a:ext cx="4108817" cy="369332"/>
+          </a:xfrm>
+          <a:prstGeom prst="rect">
+            <a:avLst/>
+          </a:prstGeom>
+          <a:noFill/>
+        </p:spPr>
+        <p:txBody>
+          <a:bodyPr wrap="none" rtlCol="0">
+            <a:spAutoFit/>
+          </a:bodyPr>
+          <a:lstStyle/>
+          <a:p>
+            <a:r>
+              <a:rPr lang="ja-JP" altLang="en-US"/>
+              <a:t>コントロールパネルで環境変数を検索</a:t>
+            </a:r>
+            <a:endParaRPr kumimoji="1" lang="ja-JP" altLang="en-US"/>
+          </a:p>
+        </p:txBody>
+      </p:sp>
+      <p:sp>
+        <p:nvSpPr>
+          <p:cNvPr id="16" name="テキスト ボックス 15">
+            <a:extLst>
+              <a:ext uri="{FF2B5EF4-FFF2-40B4-BE49-F238E27FC236}">
+                <a16:creationId xmlns:a16="http://schemas.microsoft.com/office/drawing/2014/main" id="{4898B8D7-203A-F942-9108-612E62030254}"/>
+              </a:ext>
+            </a:extLst>
+          </p:cNvPr>
+          <p:cNvSpPr txBox="1"/>
+          <p:nvPr/>
+        </p:nvSpPr>
+        <p:spPr>
+          <a:xfrm>
+            <a:off x="5554494" y="3180945"/>
+            <a:ext cx="3983783" cy="369332"/>
+          </a:xfrm>
+          <a:prstGeom prst="rect">
+            <a:avLst/>
+          </a:prstGeom>
+          <a:noFill/>
+        </p:spPr>
+        <p:txBody>
+          <a:bodyPr wrap="none" rtlCol="0">
+            <a:spAutoFit/>
+          </a:bodyPr>
+          <a:lstStyle/>
+          <a:p>
+            <a:r>
+              <a:rPr kumimoji="1" lang="ja-JP" altLang="en-US"/>
+              <a:t>環境変数</a:t>
+            </a:r>
+            <a:r>
+              <a:rPr kumimoji="1" lang="en-US" altLang="ja-JP" dirty="0"/>
+              <a:t>(PATH)</a:t>
+            </a:r>
+            <a:r>
+              <a:rPr kumimoji="1" lang="ja-JP" altLang="en-US"/>
+              <a:t>に</a:t>
+            </a:r>
+            <a:r>
+              <a:rPr kumimoji="1" lang="ja-JP" altLang="en-US">
+                <a:solidFill>
+                  <a:srgbClr val="FF0000"/>
+                </a:solidFill>
+              </a:rPr>
+              <a:t>上記</a:t>
+            </a:r>
+            <a:r>
+              <a:rPr kumimoji="1" lang="ja-JP" altLang="en-US"/>
+              <a:t>を新規で追加</a:t>
+            </a:r>
+          </a:p>
+        </p:txBody>
+      </p:sp>
+      <p:pic>
+        <p:nvPicPr>
+          <p:cNvPr id="8" name="図 7">
+            <a:extLst>
+              <a:ext uri="{FF2B5EF4-FFF2-40B4-BE49-F238E27FC236}">
+                <a16:creationId xmlns:a16="http://schemas.microsoft.com/office/drawing/2014/main" id="{2290D3CA-C938-974B-994A-0A0D39A0FB0F}"/>
+              </a:ext>
+            </a:extLst>
+          </p:cNvPr>
+          <p:cNvPicPr>
+            <a:picLocks noChangeAspect="1"/>
+          </p:cNvPicPr>
+          <p:nvPr/>
+        </p:nvPicPr>
+        <p:blipFill>
+          <a:blip r:embed="rId2"/>
+          <a:stretch>
+            <a:fillRect/>
+          </a:stretch>
+        </p:blipFill>
+        <p:spPr>
+          <a:xfrm>
+            <a:off x="901148" y="3902897"/>
+            <a:ext cx="1727519" cy="2724611"/>
+          </a:xfrm>
+          <a:prstGeom prst="rect">
+            <a:avLst/>
+          </a:prstGeom>
+        </p:spPr>
+      </p:pic>
+      <p:pic>
+        <p:nvPicPr>
+          <p:cNvPr id="10" name="図 9">
+            <a:extLst>
+              <a:ext uri="{FF2B5EF4-FFF2-40B4-BE49-F238E27FC236}">
+                <a16:creationId xmlns:a16="http://schemas.microsoft.com/office/drawing/2014/main" id="{11749882-4949-C24E-8AB6-882295AAC7EC}"/>
+              </a:ext>
+            </a:extLst>
+          </p:cNvPr>
+          <p:cNvPicPr>
+            <a:picLocks noChangeAspect="1"/>
+          </p:cNvPicPr>
+          <p:nvPr/>
+        </p:nvPicPr>
+        <p:blipFill>
+          <a:blip r:embed="rId3"/>
+          <a:stretch>
+            <a:fillRect/>
+          </a:stretch>
+        </p:blipFill>
+        <p:spPr>
+          <a:xfrm>
+            <a:off x="4459997" y="3865926"/>
+            <a:ext cx="2582829" cy="2798551"/>
+          </a:xfrm>
+          <a:prstGeom prst="rect">
+            <a:avLst/>
+          </a:prstGeom>
+        </p:spPr>
+      </p:pic>
+      <p:pic>
+        <p:nvPicPr>
+          <p:cNvPr id="14" name="図 13">
+            <a:extLst>
+              <a:ext uri="{FF2B5EF4-FFF2-40B4-BE49-F238E27FC236}">
+                <a16:creationId xmlns:a16="http://schemas.microsoft.com/office/drawing/2014/main" id="{1EFD2319-7252-2148-9FC4-3B4C8251EA1E}"/>
+              </a:ext>
+            </a:extLst>
+          </p:cNvPr>
+          <p:cNvPicPr>
+            <a:picLocks noChangeAspect="1"/>
+          </p:cNvPicPr>
+          <p:nvPr/>
+        </p:nvPicPr>
+        <p:blipFill>
+          <a:blip r:embed="rId4"/>
+          <a:stretch>
+            <a:fillRect/>
+          </a:stretch>
+        </p:blipFill>
+        <p:spPr>
+          <a:xfrm>
+            <a:off x="8532509" y="3865926"/>
+            <a:ext cx="2603872" cy="2827734"/>
+          </a:xfrm>
+          <a:prstGeom prst="rect">
+            <a:avLst/>
+          </a:prstGeom>
+        </p:spPr>
+      </p:pic>
     </p:spTree>
     <p:extLst>
       <p:ext uri="{BB962C8B-B14F-4D97-AF65-F5344CB8AC3E}">
-        <p14:creationId xmlns:p14="http://schemas.microsoft.com/office/powerpoint/2010/main" val="418876348"/>
+        <p14:creationId xmlns:p14="http://schemas.microsoft.com/office/powerpoint/2010/main" val="3330088896"/>
       </p:ext>
     </p:extLst>
   </p:cSld>
@@ -4249,7 +5358,7 @@
         <p:spPr>
           <a:xfrm>
             <a:off x="901148" y="1582310"/>
-            <a:ext cx="1338828" cy="369332"/>
+            <a:ext cx="4605748" cy="369332"/>
           </a:xfrm>
           <a:prstGeom prst="rect">
             <a:avLst/>
@@ -4264,11 +5373,19 @@
           <a:p>
             <a:r>
               <a:rPr lang="en-US" altLang="ja-JP" dirty="0"/>
-              <a:t>④</a:t>
+              <a:t>③</a:t>
+            </a:r>
+            <a:r>
+              <a:rPr lang="en-US" altLang="ja-JP" dirty="0" err="1"/>
+              <a:t>mecab</a:t>
+            </a:r>
+            <a:r>
+              <a:rPr lang="en-US" altLang="ja-JP" dirty="0"/>
+              <a:t>-python-windows</a:t>
             </a:r>
             <a:r>
               <a:rPr lang="ja-JP" altLang="en-US" dirty="0"/>
-              <a:t>動作確認</a:t>
+              <a:t>をインストール</a:t>
             </a:r>
           </a:p>
         </p:txBody>
@@ -4282,7 +5399,7 @@
         <p:spPr>
           <a:xfrm>
             <a:off x="1518699" y="2520564"/>
-            <a:ext cx="3583032" cy="1200329"/>
+            <a:ext cx="3865161" cy="369332"/>
           </a:xfrm>
           <a:prstGeom prst="rect">
             <a:avLst/>
@@ -4297,134 +5414,54 @@
           <a:p>
             <a:r>
               <a:rPr lang="en-US" altLang="ja-JP" dirty="0"/>
-              <a:t>import </a:t>
+              <a:t>pip install </a:t>
             </a:r>
             <a:r>
               <a:rPr lang="en-US" altLang="ja-JP" dirty="0" err="1"/>
-              <a:t>MeCab</a:t>
-            </a:r>
-            <a:endParaRPr lang="en-US" altLang="ja-JP" dirty="0"/>
-          </a:p>
-          <a:p>
-            <a:endParaRPr kumimoji="1" lang="en-US" altLang="ja-JP" dirty="0"/>
-          </a:p>
-          <a:p>
+              <a:t>mecab</a:t>
+            </a:r>
             <a:r>
               <a:rPr lang="en-US" altLang="ja-JP" dirty="0"/>
-              <a:t>t = </a:t>
-            </a:r>
-            <a:r>
-              <a:rPr lang="en-US" altLang="ja-JP" dirty="0" err="1"/>
-              <a:t>MeCab.Tagger</a:t>
-            </a:r>
-            <a:r>
-              <a:rPr lang="en-US" altLang="ja-JP" dirty="0"/>
-              <a:t>()</a:t>
-            </a:r>
-          </a:p>
-          <a:p>
-            <a:r>
-              <a:rPr kumimoji="1" lang="en-US" altLang="ja-JP" dirty="0"/>
-              <a:t>print(</a:t>
-            </a:r>
-            <a:r>
-              <a:rPr kumimoji="1" lang="en-US" altLang="ja-JP" dirty="0" err="1"/>
-              <a:t>t.parse</a:t>
-            </a:r>
-            <a:r>
-              <a:rPr kumimoji="1" lang="en-US" altLang="ja-JP" dirty="0"/>
-              <a:t>(“</a:t>
-            </a:r>
-            <a:r>
-              <a:rPr kumimoji="1" lang="ja-JP" altLang="en-US" dirty="0"/>
-              <a:t>私は山田です</a:t>
-            </a:r>
-            <a:r>
-              <a:rPr lang="ja-JP" altLang="en-US" dirty="0"/>
-              <a:t>。</a:t>
-            </a:r>
-            <a:r>
-              <a:rPr lang="en-US" altLang="ja-JP" dirty="0"/>
-              <a:t>”))</a:t>
+              <a:t>-python-windows</a:t>
             </a:r>
             <a:endParaRPr kumimoji="1" lang="ja-JP" altLang="en-US" dirty="0"/>
           </a:p>
         </p:txBody>
       </p:sp>
-      <p:sp>
-        <p:nvSpPr>
-          <p:cNvPr id="4" name="右矢印 3"/>
-          <p:cNvSpPr/>
+      <p:pic>
+        <p:nvPicPr>
+          <p:cNvPr id="7" name="図 6">
+            <a:extLst>
+              <a:ext uri="{FF2B5EF4-FFF2-40B4-BE49-F238E27FC236}">
+                <a16:creationId xmlns:a16="http://schemas.microsoft.com/office/drawing/2014/main" id="{FCF52DD0-D083-7F4A-97D8-9E1CC7A5B960}"/>
+              </a:ext>
+            </a:extLst>
+          </p:cNvPr>
+          <p:cNvPicPr>
+            <a:picLocks noChangeAspect="1"/>
+          </p:cNvPicPr>
           <p:nvPr/>
-        </p:nvSpPr>
-        <p:spPr>
-          <a:xfrm>
-            <a:off x="5758069" y="3120728"/>
-            <a:ext cx="675861" cy="389296"/>
-          </a:xfrm>
-          <a:prstGeom prst="rightArrow">
-            <a:avLst/>
-          </a:prstGeom>
-        </p:spPr>
-        <p:style>
-          <a:lnRef idx="2">
-            <a:schemeClr val="accent1">
-              <a:shade val="50000"/>
-            </a:schemeClr>
-          </a:lnRef>
-          <a:fillRef idx="1">
-            <a:schemeClr val="accent1"/>
-          </a:fillRef>
-          <a:effectRef idx="0">
-            <a:schemeClr val="accent1"/>
-          </a:effectRef>
-          <a:fontRef idx="minor">
-            <a:schemeClr val="lt1"/>
-          </a:fontRef>
-        </p:style>
-        <p:txBody>
-          <a:bodyPr rtlCol="0" anchor="ctr"/>
-          <a:lstStyle/>
-          <a:p>
-            <a:pPr algn="ctr"/>
-            <a:endParaRPr kumimoji="1" lang="ja-JP" altLang="en-US"/>
-          </a:p>
-        </p:txBody>
-      </p:sp>
-      <p:sp>
-        <p:nvSpPr>
-          <p:cNvPr id="7" name="テキスト ボックス 6"/>
-          <p:cNvSpPr txBox="1"/>
-          <p:nvPr/>
-        </p:nvSpPr>
-        <p:spPr>
-          <a:xfrm>
-            <a:off x="7800229" y="3120728"/>
-            <a:ext cx="1569660" cy="369332"/>
-          </a:xfrm>
-          <a:prstGeom prst="rect">
-            <a:avLst/>
-          </a:prstGeom>
-          <a:noFill/>
-        </p:spPr>
-        <p:txBody>
-          <a:bodyPr wrap="none" rtlCol="0">
-            <a:spAutoFit/>
-          </a:bodyPr>
-          <a:lstStyle/>
-          <a:p>
-            <a:r>
-              <a:rPr kumimoji="1" lang="ja-JP" altLang="en-US"/>
-              <a:t>写真貼り付け</a:t>
-            </a:r>
-            <a:endParaRPr kumimoji="1" lang="ja-JP" altLang="en-US" dirty="0"/>
-          </a:p>
-        </p:txBody>
-      </p:sp>
+        </p:nvPicPr>
+        <p:blipFill>
+          <a:blip r:embed="rId2"/>
+          <a:stretch>
+            <a:fillRect/>
+          </a:stretch>
+        </p:blipFill>
+        <p:spPr>
+          <a:xfrm>
+            <a:off x="1518699" y="3458818"/>
+            <a:ext cx="8661400" cy="2311400"/>
+          </a:xfrm>
+          <a:prstGeom prst="rect">
+            <a:avLst/>
+          </a:prstGeom>
+        </p:spPr>
+      </p:pic>
     </p:spTree>
     <p:extLst>
       <p:ext uri="{BB962C8B-B14F-4D97-AF65-F5344CB8AC3E}">
-        <p14:creationId xmlns:p14="http://schemas.microsoft.com/office/powerpoint/2010/main" val="629957963"/>
+        <p14:creationId xmlns:p14="http://schemas.microsoft.com/office/powerpoint/2010/main" val="418876348"/>
       </p:ext>
     </p:extLst>
   </p:cSld>
@@ -4460,7 +5497,7 @@
         <p:spPr>
           <a:xfrm>
             <a:off x="901148" y="722244"/>
-            <a:ext cx="2372765" cy="646331"/>
+            <a:ext cx="2630848" cy="646331"/>
           </a:xfrm>
           <a:prstGeom prst="rect">
             <a:avLst/>
@@ -4475,7 +5512,7 @@
           <a:p>
             <a:r>
               <a:rPr lang="en-US" altLang="ja-JP" sz="3600" dirty="0"/>
-              <a:t>2. Mac OS</a:t>
+              <a:t>1. Windows</a:t>
             </a:r>
             <a:endParaRPr lang="ja-JP" altLang="en-US" sz="3600" dirty="0"/>
           </a:p>
@@ -4489,8 +5526,8 @@
         </p:nvSpPr>
         <p:spPr>
           <a:xfrm>
-            <a:off x="1868557" y="2130950"/>
-            <a:ext cx="3504486" cy="369332"/>
+            <a:off x="901148" y="1582310"/>
+            <a:ext cx="1338828" cy="369332"/>
           </a:xfrm>
           <a:prstGeom prst="rect">
             <a:avLst/>
@@ -4504,34 +5541,26 @@
           <a:lstStyle/>
           <a:p>
             <a:r>
-              <a:rPr kumimoji="1" lang="en-US" altLang="ja-JP" dirty="0"/>
-              <a:t>①</a:t>
-            </a:r>
-            <a:r>
-              <a:rPr kumimoji="1" lang="en-US" altLang="ja-JP" dirty="0" err="1"/>
-              <a:t>MeCab</a:t>
-            </a:r>
-            <a:r>
-              <a:rPr kumimoji="1" lang="en-US" altLang="ja-JP" dirty="0"/>
-              <a:t>(64bit)</a:t>
-            </a:r>
-            <a:r>
-              <a:rPr kumimoji="1" lang="ja-JP" altLang="en-US" dirty="0"/>
-              <a:t>のインストール</a:t>
-            </a:r>
-          </a:p>
-        </p:txBody>
-      </p:sp>
-      <p:sp>
-        <p:nvSpPr>
-          <p:cNvPr id="7" name="テキスト ボックス 6"/>
+              <a:rPr lang="en-US" altLang="ja-JP" dirty="0"/>
+              <a:t>④</a:t>
+            </a:r>
+            <a:r>
+              <a:rPr lang="ja-JP" altLang="en-US" dirty="0"/>
+              <a:t>動作確認</a:t>
+            </a:r>
+          </a:p>
+        </p:txBody>
+      </p:sp>
+      <p:sp>
+        <p:nvSpPr>
+          <p:cNvPr id="3" name="テキスト ボックス 2"/>
           <p:cNvSpPr txBox="1"/>
           <p:nvPr/>
         </p:nvSpPr>
         <p:spPr>
           <a:xfrm>
-            <a:off x="1872086" y="2919885"/>
-            <a:ext cx="2829621" cy="369332"/>
+            <a:off x="1518699" y="2520564"/>
+            <a:ext cx="3583032" cy="1200329"/>
           </a:xfrm>
           <a:prstGeom prst="rect">
             <a:avLst/>
@@ -4546,101 +5575,134 @@
           <a:p>
             <a:r>
               <a:rPr lang="en-US" altLang="ja-JP" dirty="0"/>
-              <a:t>②</a:t>
+              <a:t>import </a:t>
+            </a:r>
+            <a:r>
+              <a:rPr lang="en-US" altLang="ja-JP" dirty="0" err="1"/>
+              <a:t>MeCab</a:t>
+            </a:r>
+            <a:endParaRPr lang="en-US" altLang="ja-JP" dirty="0"/>
+          </a:p>
+          <a:p>
+            <a:endParaRPr kumimoji="1" lang="en-US" altLang="ja-JP" dirty="0"/>
+          </a:p>
+          <a:p>
+            <a:r>
+              <a:rPr lang="en-US" altLang="ja-JP" dirty="0"/>
+              <a:t>t = </a:t>
+            </a:r>
+            <a:r>
+              <a:rPr lang="en-US" altLang="ja-JP" dirty="0" err="1"/>
+              <a:t>MeCab.Tagger</a:t>
+            </a:r>
+            <a:r>
+              <a:rPr lang="en-US" altLang="ja-JP" dirty="0"/>
+              <a:t>()</a:t>
+            </a:r>
+          </a:p>
+          <a:p>
+            <a:r>
+              <a:rPr kumimoji="1" lang="en-US" altLang="ja-JP" dirty="0"/>
+              <a:t>print(</a:t>
+            </a:r>
+            <a:r>
+              <a:rPr kumimoji="1" lang="en-US" altLang="ja-JP" dirty="0" err="1"/>
+              <a:t>t.parse</a:t>
+            </a:r>
+            <a:r>
+              <a:rPr kumimoji="1" lang="en-US" altLang="ja-JP" dirty="0"/>
+              <a:t>(“</a:t>
             </a:r>
             <a:r>
               <a:rPr kumimoji="1" lang="ja-JP" altLang="en-US" dirty="0"/>
-              <a:t>環境変数</a:t>
-            </a:r>
-            <a:r>
-              <a:rPr kumimoji="1" lang="en-US" altLang="ja-JP" dirty="0"/>
-              <a:t>(PATH)</a:t>
-            </a:r>
-            <a:r>
-              <a:rPr kumimoji="1" lang="ja-JP" altLang="en-US" dirty="0"/>
-              <a:t>を通す</a:t>
-            </a:r>
-          </a:p>
-        </p:txBody>
-      </p:sp>
-      <p:sp>
-        <p:nvSpPr>
-          <p:cNvPr id="8" name="テキスト ボックス 7"/>
-          <p:cNvSpPr txBox="1"/>
+              <a:t>私は山田です</a:t>
+            </a:r>
+            <a:r>
+              <a:rPr lang="ja-JP" altLang="en-US" dirty="0"/>
+              <a:t>。</a:t>
+            </a:r>
+            <a:r>
+              <a:rPr lang="en-US" altLang="ja-JP" dirty="0"/>
+              <a:t>”))</a:t>
+            </a:r>
+            <a:endParaRPr kumimoji="1" lang="ja-JP" altLang="en-US" dirty="0"/>
+          </a:p>
+        </p:txBody>
+      </p:sp>
+      <p:sp>
+        <p:nvSpPr>
+          <p:cNvPr id="4" name="右矢印 3"/>
+          <p:cNvSpPr/>
           <p:nvPr/>
         </p:nvSpPr>
         <p:spPr>
           <a:xfrm>
-            <a:off x="1868557" y="3708820"/>
-            <a:ext cx="4605748" cy="369332"/>
-          </a:xfrm>
-          <a:prstGeom prst="rect">
-            <a:avLst/>
-          </a:prstGeom>
-          <a:noFill/>
-        </p:spPr>
-        <p:txBody>
-          <a:bodyPr wrap="none" rtlCol="0">
-            <a:spAutoFit/>
-          </a:bodyPr>
-          <a:lstStyle/>
-          <a:p>
-            <a:r>
-              <a:rPr lang="en-US" altLang="ja-JP" dirty="0"/>
-              <a:t>③</a:t>
-            </a:r>
-            <a:r>
-              <a:rPr kumimoji="1" lang="en-US" altLang="ja-JP" dirty="0" err="1"/>
-              <a:t>mecab</a:t>
-            </a:r>
-            <a:r>
-              <a:rPr kumimoji="1" lang="en-US" altLang="ja-JP" dirty="0"/>
-              <a:t>-python-windows</a:t>
-            </a:r>
-            <a:r>
-              <a:rPr kumimoji="1" lang="ja-JP" altLang="en-US" dirty="0"/>
-              <a:t>をインストール</a:t>
-            </a:r>
-          </a:p>
-        </p:txBody>
-      </p:sp>
-      <p:sp>
-        <p:nvSpPr>
-          <p:cNvPr id="9" name="テキスト ボックス 8"/>
-          <p:cNvSpPr txBox="1"/>
+            <a:off x="5758069" y="3120728"/>
+            <a:ext cx="675861" cy="389296"/>
+          </a:xfrm>
+          <a:prstGeom prst="rightArrow">
+            <a:avLst/>
+          </a:prstGeom>
+        </p:spPr>
+        <p:style>
+          <a:lnRef idx="2">
+            <a:schemeClr val="accent1">
+              <a:shade val="50000"/>
+            </a:schemeClr>
+          </a:lnRef>
+          <a:fillRef idx="1">
+            <a:schemeClr val="accent1"/>
+          </a:fillRef>
+          <a:effectRef idx="0">
+            <a:schemeClr val="accent1"/>
+          </a:effectRef>
+          <a:fontRef idx="minor">
+            <a:schemeClr val="lt1"/>
+          </a:fontRef>
+        </p:style>
+        <p:txBody>
+          <a:bodyPr rtlCol="0" anchor="ctr"/>
+          <a:lstStyle/>
+          <a:p>
+            <a:pPr algn="ctr"/>
+            <a:endParaRPr kumimoji="1" lang="ja-JP" altLang="en-US"/>
+          </a:p>
+        </p:txBody>
+      </p:sp>
+      <p:pic>
+        <p:nvPicPr>
+          <p:cNvPr id="8" name="図 7">
+            <a:extLst>
+              <a:ext uri="{FF2B5EF4-FFF2-40B4-BE49-F238E27FC236}">
+                <a16:creationId xmlns:a16="http://schemas.microsoft.com/office/drawing/2014/main" id="{41B2CB22-4676-2B42-BA18-7402A359634D}"/>
+              </a:ext>
+            </a:extLst>
+          </p:cNvPr>
+          <p:cNvPicPr>
+            <a:picLocks noChangeAspect="1"/>
+          </p:cNvPicPr>
           <p:nvPr/>
-        </p:nvSpPr>
-        <p:spPr>
-          <a:xfrm>
-            <a:off x="1868557" y="4497755"/>
-            <a:ext cx="1338828" cy="369332"/>
-          </a:xfrm>
-          <a:prstGeom prst="rect">
-            <a:avLst/>
-          </a:prstGeom>
-          <a:noFill/>
-        </p:spPr>
-        <p:txBody>
-          <a:bodyPr wrap="none" rtlCol="0">
-            <a:spAutoFit/>
-          </a:bodyPr>
-          <a:lstStyle/>
-          <a:p>
-            <a:r>
-              <a:rPr lang="en-US" altLang="ja-JP" dirty="0"/>
-              <a:t>④</a:t>
-            </a:r>
-            <a:r>
-              <a:rPr kumimoji="1" lang="ja-JP" altLang="en-US" dirty="0"/>
-              <a:t>動作確認</a:t>
-            </a:r>
-          </a:p>
-        </p:txBody>
-      </p:sp>
+        </p:nvPicPr>
+        <p:blipFill>
+          <a:blip r:embed="rId2"/>
+          <a:stretch>
+            <a:fillRect/>
+          </a:stretch>
+        </p:blipFill>
+        <p:spPr>
+          <a:xfrm>
+            <a:off x="6628725" y="2171244"/>
+            <a:ext cx="5443301" cy="2677559"/>
+          </a:xfrm>
+          <a:prstGeom prst="rect">
+            <a:avLst/>
+          </a:prstGeom>
+        </p:spPr>
+      </p:pic>
     </p:spTree>
     <p:extLst>
       <p:ext uri="{BB962C8B-B14F-4D97-AF65-F5344CB8AC3E}">
-        <p14:creationId xmlns:p14="http://schemas.microsoft.com/office/powerpoint/2010/main" val="1903609911"/>
+        <p14:creationId xmlns:p14="http://schemas.microsoft.com/office/powerpoint/2010/main" val="629957963"/>
       </p:ext>
     </p:extLst>
   </p:cSld>
@@ -4676,7 +5738,7 @@
         <p:spPr>
           <a:xfrm>
             <a:off x="901148" y="722244"/>
-            <a:ext cx="1850186" cy="646331"/>
+            <a:ext cx="2372765" cy="646331"/>
           </a:xfrm>
           <a:prstGeom prst="rect">
             <a:avLst/>
@@ -4691,7 +5753,7 @@
           <a:p>
             <a:r>
               <a:rPr lang="en-US" altLang="ja-JP" sz="3600" dirty="0"/>
-              <a:t>3. Linux</a:t>
+              <a:t>2. Mac OS</a:t>
             </a:r>
             <a:endParaRPr lang="ja-JP" altLang="en-US" sz="3600" dirty="0"/>
           </a:p>
@@ -4706,7 +5768,7 @@
         <p:spPr>
           <a:xfrm>
             <a:off x="1868557" y="2130950"/>
-            <a:ext cx="3504486" cy="369332"/>
+            <a:ext cx="3207929" cy="369332"/>
           </a:xfrm>
           <a:prstGeom prst="rect">
             <a:avLst/>
@@ -4725,15 +5787,15 @@
             </a:r>
             <a:r>
               <a:rPr kumimoji="1" lang="en-US" altLang="ja-JP" dirty="0" err="1"/>
-              <a:t>MeCab</a:t>
-            </a:r>
-            <a:r>
-              <a:rPr kumimoji="1" lang="en-US" altLang="ja-JP" dirty="0"/>
-              <a:t>(64bit)</a:t>
+              <a:t>HomeBrew</a:t>
+            </a:r>
+            <a:r>
+              <a:rPr kumimoji="1" lang="ja-JP" altLang="en-US"/>
+              <a:t>の</a:t>
             </a:r>
             <a:r>
               <a:rPr kumimoji="1" lang="ja-JP" altLang="en-US" dirty="0"/>
-              <a:t>のインストール</a:t>
+              <a:t>インストール</a:t>
             </a:r>
           </a:p>
         </p:txBody>
@@ -4747,7 +5809,7 @@
         <p:spPr>
           <a:xfrm>
             <a:off x="1872086" y="2919885"/>
-            <a:ext cx="2829621" cy="369332"/>
+            <a:ext cx="3504486" cy="369332"/>
           </a:xfrm>
           <a:prstGeom prst="rect">
             <a:avLst/>
@@ -4765,16 +5827,16 @@
               <a:t>②</a:t>
             </a:r>
             <a:r>
-              <a:rPr kumimoji="1" lang="ja-JP" altLang="en-US" dirty="0"/>
-              <a:t>環境変数</a:t>
-            </a:r>
-            <a:r>
-              <a:rPr kumimoji="1" lang="en-US" altLang="ja-JP" dirty="0"/>
-              <a:t>(PATH)</a:t>
-            </a:r>
-            <a:r>
-              <a:rPr kumimoji="1" lang="ja-JP" altLang="en-US" dirty="0"/>
-              <a:t>を通す</a:t>
+              <a:rPr lang="en-US" altLang="ja-JP" dirty="0" err="1"/>
+              <a:t>MeCab</a:t>
+            </a:r>
+            <a:r>
+              <a:rPr lang="en-US" altLang="ja-JP" dirty="0"/>
+              <a:t>(64bit)</a:t>
+            </a:r>
+            <a:r>
+              <a:rPr lang="ja-JP" altLang="en-US"/>
+              <a:t>のインストール</a:t>
             </a:r>
           </a:p>
         </p:txBody>
@@ -4788,7 +5850,7 @@
         <p:spPr>
           <a:xfrm>
             <a:off x="1868557" y="3708820"/>
-            <a:ext cx="4605748" cy="369332"/>
+            <a:ext cx="3698448" cy="369332"/>
           </a:xfrm>
           <a:prstGeom prst="rect">
             <a:avLst/>
@@ -4802,19 +5864,15 @@
           <a:lstStyle/>
           <a:p>
             <a:r>
+              <a:rPr lang="ja-JP" altLang="en-US"/>
+              <a:t>③</a:t>
+            </a:r>
+            <a:r>
               <a:rPr lang="en-US" altLang="ja-JP" dirty="0"/>
-              <a:t>③</a:t>
-            </a:r>
-            <a:r>
-              <a:rPr kumimoji="1" lang="en-US" altLang="ja-JP" dirty="0" err="1"/>
-              <a:t>mecab</a:t>
-            </a:r>
-            <a:r>
-              <a:rPr kumimoji="1" lang="en-US" altLang="ja-JP" dirty="0"/>
-              <a:t>-python-windows</a:t>
-            </a:r>
-            <a:r>
-              <a:rPr kumimoji="1" lang="ja-JP" altLang="en-US" dirty="0"/>
+              <a:t>mecab-python3</a:t>
+            </a:r>
+            <a:r>
+              <a:rPr lang="ja-JP" altLang="en-US"/>
               <a:t>をインストール</a:t>
             </a:r>
           </a:p>
@@ -4856,7 +5914,7 @@
     </p:spTree>
     <p:extLst>
       <p:ext uri="{BB962C8B-B14F-4D97-AF65-F5344CB8AC3E}">
-        <p14:creationId xmlns:p14="http://schemas.microsoft.com/office/powerpoint/2010/main" val="706571751"/>
+        <p14:creationId xmlns:p14="http://schemas.microsoft.com/office/powerpoint/2010/main" val="1903609911"/>
       </p:ext>
     </p:extLst>
   </p:cSld>
